--- a/ppt/무슬림 관광 활성화 방안.pptx
+++ b/ppt/무슬림 관광 활성화 방안.pptx
@@ -12,9 +12,11 @@
     <p:sldId id="273" r:id="rId6"/>
     <p:sldId id="285" r:id="rId7"/>
     <p:sldId id="284" r:id="rId8"/>
-    <p:sldId id="286" r:id="rId9"/>
-    <p:sldId id="288" r:id="rId10"/>
+    <p:sldId id="289" r:id="rId9"/>
+    <p:sldId id="286" r:id="rId10"/>
     <p:sldId id="287" r:id="rId11"/>
+    <p:sldId id="288" r:id="rId12"/>
+    <p:sldId id="290" r:id="rId13"/>
   </p:sldIdLst>
   <p:sldSz cx="12192000" cy="6858000"/>
   <p:notesSz cx="6858000" cy="9144000"/>
@@ -116,17 +118,12 @@
   <p:extLst>
     <p:ext uri="{EFAFB233-063F-42B5-8137-9DF3F51BA10A}">
       <p15:sldGuideLst xmlns:p15="http://schemas.microsoft.com/office/powerpoint/2012/main">
-        <p15:guide id="1" orient="horz" pos="2160" userDrawn="1">
+        <p15:guide id="1" orient="horz" pos="2137" userDrawn="1">
           <p15:clr>
             <a:srgbClr val="A4A3A4"/>
           </p15:clr>
         </p15:guide>
         <p15:guide id="2" pos="3863" userDrawn="1">
-          <p15:clr>
-            <a:srgbClr val="A4A3A4"/>
-          </p15:clr>
-        </p15:guide>
-        <p15:guide id="3" orient="horz" pos="2137" userDrawn="1">
           <p15:clr>
             <a:srgbClr val="A4A3A4"/>
           </p15:clr>
@@ -10706,6 +10703,1493 @@
 </p:sld>
 </file>
 
+<file path=ppt/slides/slide10.xml><?xml version="1.0" encoding="utf-8"?>
+<p:sld xmlns:a="http://schemas.openxmlformats.org/drawingml/2006/main" xmlns:r="http://schemas.openxmlformats.org/officeDocument/2006/relationships" xmlns:p="http://schemas.openxmlformats.org/presentationml/2006/main" showMasterSp="0">
+  <p:cSld>
+    <p:spTree>
+      <p:nvGrpSpPr>
+        <p:cNvPr id="1" name=""/>
+        <p:cNvGrpSpPr/>
+        <p:nvPr/>
+      </p:nvGrpSpPr>
+      <p:grpSpPr>
+        <a:xfrm>
+          <a:off x="0" y="0"/>
+          <a:ext cx="0" cy="0"/>
+          <a:chOff x="0" y="0"/>
+          <a:chExt cx="0" cy="0"/>
+        </a:xfrm>
+      </p:grpSpPr>
+      <p:pic>
+        <p:nvPicPr>
+          <p:cNvPr id="3" name="그림 2" descr="지도이(가) 표시된 사진&#10;&#10;자동 생성된 설명">
+            <a:extLst>
+              <a:ext uri="{FF2B5EF4-FFF2-40B4-BE49-F238E27FC236}">
+                <a16:creationId xmlns:a16="http://schemas.microsoft.com/office/drawing/2014/main" id="{EFD8C206-A086-46B7-AF15-FC1294BECA54}"/>
+              </a:ext>
+            </a:extLst>
+          </p:cNvPr>
+          <p:cNvPicPr>
+            <a:picLocks noChangeAspect="1"/>
+          </p:cNvPicPr>
+          <p:nvPr/>
+        </p:nvPicPr>
+        <p:blipFill>
+          <a:blip r:embed="rId2">
+            <a:alphaModFix/>
+            <a:extLst>
+              <a:ext uri="{28A0092B-C50C-407E-A947-70E740481C1C}">
+                <a14:useLocalDpi xmlns:a14="http://schemas.microsoft.com/office/drawing/2010/main" val="0"/>
+              </a:ext>
+            </a:extLst>
+          </a:blip>
+          <a:stretch>
+            <a:fillRect/>
+          </a:stretch>
+        </p:blipFill>
+        <p:spPr>
+          <a:xfrm>
+            <a:off x="2751622" y="521334"/>
+            <a:ext cx="6310467" cy="6310467"/>
+          </a:xfrm>
+          <a:prstGeom prst="rect">
+            <a:avLst/>
+          </a:prstGeom>
+          <a:noFill/>
+        </p:spPr>
+      </p:pic>
+      <p:grpSp>
+        <p:nvGrpSpPr>
+          <p:cNvPr id="10" name="그룹 9">
+            <a:extLst>
+              <a:ext uri="{FF2B5EF4-FFF2-40B4-BE49-F238E27FC236}">
+                <a16:creationId xmlns:a16="http://schemas.microsoft.com/office/drawing/2014/main" id="{BDDC12B7-2293-4465-9A80-811AB739417A}"/>
+              </a:ext>
+            </a:extLst>
+          </p:cNvPr>
+          <p:cNvGrpSpPr/>
+          <p:nvPr/>
+        </p:nvGrpSpPr>
+        <p:grpSpPr>
+          <a:xfrm>
+            <a:off x="1" y="-16542"/>
+            <a:ext cx="14512134" cy="870519"/>
+            <a:chOff x="1" y="-16542"/>
+            <a:chExt cx="14512134" cy="870519"/>
+          </a:xfrm>
+        </p:grpSpPr>
+        <p:pic>
+          <p:nvPicPr>
+            <p:cNvPr id="11" name="그림 10">
+              <a:extLst>
+                <a:ext uri="{FF2B5EF4-FFF2-40B4-BE49-F238E27FC236}">
+                  <a16:creationId xmlns:a16="http://schemas.microsoft.com/office/drawing/2014/main" id="{BC7A1B08-A909-4CF2-B9C4-E0E656533B67}"/>
+                </a:ext>
+              </a:extLst>
+            </p:cNvPr>
+            <p:cNvPicPr>
+              <a:picLocks noChangeAspect="1"/>
+            </p:cNvPicPr>
+            <p:nvPr/>
+          </p:nvPicPr>
+          <p:blipFill>
+            <a:blip r:embed="rId3">
+              <a:extLst>
+                <a:ext uri="{28A0092B-C50C-407E-A947-70E740481C1C}">
+                  <a14:useLocalDpi xmlns:a14="http://schemas.microsoft.com/office/drawing/2010/main" val="0"/>
+                </a:ext>
+              </a:extLst>
+            </a:blip>
+            <a:stretch>
+              <a:fillRect/>
+            </a:stretch>
+          </p:blipFill>
+          <p:spPr>
+            <a:xfrm>
+              <a:off x="1" y="-6181"/>
+              <a:ext cx="4837378" cy="433429"/>
+            </a:xfrm>
+            <a:prstGeom prst="rect">
+              <a:avLst/>
+            </a:prstGeom>
+          </p:spPr>
+        </p:pic>
+        <p:pic>
+          <p:nvPicPr>
+            <p:cNvPr id="12" name="그림 11">
+              <a:extLst>
+                <a:ext uri="{FF2B5EF4-FFF2-40B4-BE49-F238E27FC236}">
+                  <a16:creationId xmlns:a16="http://schemas.microsoft.com/office/drawing/2014/main" id="{41814924-F3CE-44B3-B4FD-2EC92D1E7C33}"/>
+                </a:ext>
+              </a:extLst>
+            </p:cNvPr>
+            <p:cNvPicPr>
+              <a:picLocks noChangeAspect="1"/>
+            </p:cNvPicPr>
+            <p:nvPr/>
+          </p:nvPicPr>
+          <p:blipFill>
+            <a:blip r:embed="rId3">
+              <a:extLst>
+                <a:ext uri="{28A0092B-C50C-407E-A947-70E740481C1C}">
+                  <a14:useLocalDpi xmlns:a14="http://schemas.microsoft.com/office/drawing/2010/main" val="0"/>
+                </a:ext>
+              </a:extLst>
+            </a:blip>
+            <a:stretch>
+              <a:fillRect/>
+            </a:stretch>
+          </p:blipFill>
+          <p:spPr>
+            <a:xfrm>
+              <a:off x="4837379" y="-6182"/>
+              <a:ext cx="4837378" cy="433429"/>
+            </a:xfrm>
+            <a:prstGeom prst="rect">
+              <a:avLst/>
+            </a:prstGeom>
+          </p:spPr>
+        </p:pic>
+        <p:pic>
+          <p:nvPicPr>
+            <p:cNvPr id="14" name="그림 13">
+              <a:extLst>
+                <a:ext uri="{FF2B5EF4-FFF2-40B4-BE49-F238E27FC236}">
+                  <a16:creationId xmlns:a16="http://schemas.microsoft.com/office/drawing/2014/main" id="{5029C520-A684-40B3-B50C-1999AB952902}"/>
+                </a:ext>
+              </a:extLst>
+            </p:cNvPr>
+            <p:cNvPicPr>
+              <a:picLocks noChangeAspect="1"/>
+            </p:cNvPicPr>
+            <p:nvPr/>
+          </p:nvPicPr>
+          <p:blipFill>
+            <a:blip r:embed="rId3">
+              <a:extLst>
+                <a:ext uri="{28A0092B-C50C-407E-A947-70E740481C1C}">
+                  <a14:useLocalDpi xmlns:a14="http://schemas.microsoft.com/office/drawing/2010/main" val="0"/>
+                </a:ext>
+              </a:extLst>
+            </a:blip>
+            <a:stretch>
+              <a:fillRect/>
+            </a:stretch>
+          </p:blipFill>
+          <p:spPr>
+            <a:xfrm>
+              <a:off x="9674757" y="-16542"/>
+              <a:ext cx="4837378" cy="433429"/>
+            </a:xfrm>
+            <a:prstGeom prst="rect">
+              <a:avLst/>
+            </a:prstGeom>
+          </p:spPr>
+        </p:pic>
+        <p:pic>
+          <p:nvPicPr>
+            <p:cNvPr id="15" name="그림 14">
+              <a:extLst>
+                <a:ext uri="{FF2B5EF4-FFF2-40B4-BE49-F238E27FC236}">
+                  <a16:creationId xmlns:a16="http://schemas.microsoft.com/office/drawing/2014/main" id="{D6EC80B7-25F0-499F-A61B-78A2BE8BC314}"/>
+                </a:ext>
+              </a:extLst>
+            </p:cNvPr>
+            <p:cNvPicPr>
+              <a:picLocks noChangeAspect="1"/>
+            </p:cNvPicPr>
+            <p:nvPr/>
+          </p:nvPicPr>
+          <p:blipFill>
+            <a:blip r:embed="rId3">
+              <a:extLst>
+                <a:ext uri="{28A0092B-C50C-407E-A947-70E740481C1C}">
+                  <a14:useLocalDpi xmlns:a14="http://schemas.microsoft.com/office/drawing/2010/main" val="0"/>
+                </a:ext>
+              </a:extLst>
+            </a:blip>
+            <a:stretch>
+              <a:fillRect/>
+            </a:stretch>
+          </p:blipFill>
+          <p:spPr>
+            <a:xfrm>
+              <a:off x="1" y="416887"/>
+              <a:ext cx="4837378" cy="433429"/>
+            </a:xfrm>
+            <a:prstGeom prst="rect">
+              <a:avLst/>
+            </a:prstGeom>
+          </p:spPr>
+        </p:pic>
+        <p:pic>
+          <p:nvPicPr>
+            <p:cNvPr id="16" name="그림 15">
+              <a:extLst>
+                <a:ext uri="{FF2B5EF4-FFF2-40B4-BE49-F238E27FC236}">
+                  <a16:creationId xmlns:a16="http://schemas.microsoft.com/office/drawing/2014/main" id="{A221FDC5-0F30-49D9-A663-78440C704B07}"/>
+                </a:ext>
+              </a:extLst>
+            </p:cNvPr>
+            <p:cNvPicPr>
+              <a:picLocks noChangeAspect="1"/>
+            </p:cNvPicPr>
+            <p:nvPr/>
+          </p:nvPicPr>
+          <p:blipFill>
+            <a:blip r:embed="rId3">
+              <a:extLst>
+                <a:ext uri="{28A0092B-C50C-407E-A947-70E740481C1C}">
+                  <a14:useLocalDpi xmlns:a14="http://schemas.microsoft.com/office/drawing/2010/main" val="0"/>
+                </a:ext>
+              </a:extLst>
+            </a:blip>
+            <a:stretch>
+              <a:fillRect/>
+            </a:stretch>
+          </p:blipFill>
+          <p:spPr>
+            <a:xfrm>
+              <a:off x="4837379" y="418136"/>
+              <a:ext cx="4837378" cy="433429"/>
+            </a:xfrm>
+            <a:prstGeom prst="rect">
+              <a:avLst/>
+            </a:prstGeom>
+          </p:spPr>
+        </p:pic>
+        <p:pic>
+          <p:nvPicPr>
+            <p:cNvPr id="17" name="그림 16">
+              <a:extLst>
+                <a:ext uri="{FF2B5EF4-FFF2-40B4-BE49-F238E27FC236}">
+                  <a16:creationId xmlns:a16="http://schemas.microsoft.com/office/drawing/2014/main" id="{2C5673B7-C4D3-4054-8CBA-661E4909BD32}"/>
+                </a:ext>
+              </a:extLst>
+            </p:cNvPr>
+            <p:cNvPicPr>
+              <a:picLocks noChangeAspect="1"/>
+            </p:cNvPicPr>
+            <p:nvPr/>
+          </p:nvPicPr>
+          <p:blipFill>
+            <a:blip r:embed="rId3">
+              <a:extLst>
+                <a:ext uri="{28A0092B-C50C-407E-A947-70E740481C1C}">
+                  <a14:useLocalDpi xmlns:a14="http://schemas.microsoft.com/office/drawing/2010/main" val="0"/>
+                </a:ext>
+              </a:extLst>
+            </a:blip>
+            <a:stretch>
+              <a:fillRect/>
+            </a:stretch>
+          </p:blipFill>
+          <p:spPr>
+            <a:xfrm>
+              <a:off x="9674757" y="420548"/>
+              <a:ext cx="4837378" cy="433429"/>
+            </a:xfrm>
+            <a:prstGeom prst="rect">
+              <a:avLst/>
+            </a:prstGeom>
+          </p:spPr>
+        </p:pic>
+      </p:grpSp>
+      <p:sp>
+        <p:nvSpPr>
+          <p:cNvPr id="2" name="TextBox 1">
+            <a:extLst>
+              <a:ext uri="{FF2B5EF4-FFF2-40B4-BE49-F238E27FC236}">
+                <a16:creationId xmlns:a16="http://schemas.microsoft.com/office/drawing/2014/main" id="{C482CDA8-E98D-48A4-AD68-DEFF98A473BA}"/>
+              </a:ext>
+            </a:extLst>
+          </p:cNvPr>
+          <p:cNvSpPr txBox="1"/>
+          <p:nvPr/>
+        </p:nvSpPr>
+        <p:spPr>
+          <a:xfrm>
+            <a:off x="286051" y="236757"/>
+            <a:ext cx="4551328" cy="461665"/>
+          </a:xfrm>
+          <a:prstGeom prst="rect">
+            <a:avLst/>
+          </a:prstGeom>
+          <a:noFill/>
+        </p:spPr>
+        <p:txBody>
+          <a:bodyPr wrap="square" rtlCol="0">
+            <a:spAutoFit/>
+          </a:bodyPr>
+          <a:lstStyle/>
+          <a:p>
+            <a:r>
+              <a:rPr lang="en-US" altLang="ko-KR" sz="2400" b="1" dirty="0">
+                <a:latin typeface="서울남산체 EB" panose="02020503020101020101" pitchFamily="18" charset="-127"/>
+                <a:ea typeface="서울남산체 EB" panose="02020503020101020101" pitchFamily="18" charset="-127"/>
+              </a:rPr>
+              <a:t>01. </a:t>
+            </a:r>
+            <a:r>
+              <a:rPr lang="ko-KR" altLang="en-US" sz="2400" b="1" dirty="0">
+                <a:latin typeface="서울남산체 EB" panose="02020503020101020101" pitchFamily="18" charset="-127"/>
+                <a:ea typeface="서울남산체 EB" panose="02020503020101020101" pitchFamily="18" charset="-127"/>
+              </a:rPr>
+              <a:t>데이터 시각화</a:t>
+            </a:r>
+          </a:p>
+        </p:txBody>
+      </p:sp>
+      <p:pic>
+        <p:nvPicPr>
+          <p:cNvPr id="5" name="그림 4" descr="텍스트, 지도이(가) 표시된 사진&#10;&#10;자동 생성된 설명">
+            <a:extLst>
+              <a:ext uri="{FF2B5EF4-FFF2-40B4-BE49-F238E27FC236}">
+                <a16:creationId xmlns:a16="http://schemas.microsoft.com/office/drawing/2014/main" id="{DEF2DCA5-EBF8-41B3-9D96-E9289569FD50}"/>
+              </a:ext>
+            </a:extLst>
+          </p:cNvPr>
+          <p:cNvPicPr>
+            <a:picLocks noChangeAspect="1"/>
+          </p:cNvPicPr>
+          <p:nvPr/>
+        </p:nvPicPr>
+        <p:blipFill>
+          <a:blip r:embed="rId4">
+            <a:alphaModFix amt="51000"/>
+            <a:extLst>
+              <a:ext uri="{28A0092B-C50C-407E-A947-70E740481C1C}">
+                <a14:useLocalDpi xmlns:a14="http://schemas.microsoft.com/office/drawing/2010/main" val="0"/>
+              </a:ext>
+            </a:extLst>
+          </a:blip>
+          <a:stretch>
+            <a:fillRect/>
+          </a:stretch>
+        </p:blipFill>
+        <p:spPr>
+          <a:xfrm>
+            <a:off x="2803046" y="607377"/>
+            <a:ext cx="6179820" cy="6179820"/>
+          </a:xfrm>
+          <a:prstGeom prst="rect">
+            <a:avLst/>
+          </a:prstGeom>
+        </p:spPr>
+      </p:pic>
+      <p:sp>
+        <p:nvSpPr>
+          <p:cNvPr id="6" name="사각형: 둥근 모서리 5">
+            <a:extLst>
+              <a:ext uri="{FF2B5EF4-FFF2-40B4-BE49-F238E27FC236}">
+                <a16:creationId xmlns:a16="http://schemas.microsoft.com/office/drawing/2014/main" id="{6167CD4B-5BDB-4B83-A053-B7F760DFB90C}"/>
+              </a:ext>
+            </a:extLst>
+          </p:cNvPr>
+          <p:cNvSpPr/>
+          <p:nvPr/>
+        </p:nvSpPr>
+        <p:spPr>
+          <a:xfrm>
+            <a:off x="486110" y="1347993"/>
+            <a:ext cx="4268770" cy="785607"/>
+          </a:xfrm>
+          <a:prstGeom prst="roundRect">
+            <a:avLst/>
+          </a:prstGeom>
+        </p:spPr>
+        <p:style>
+          <a:lnRef idx="2">
+            <a:schemeClr val="accent1">
+              <a:shade val="50000"/>
+            </a:schemeClr>
+          </a:lnRef>
+          <a:fillRef idx="1">
+            <a:schemeClr val="accent1"/>
+          </a:fillRef>
+          <a:effectRef idx="0">
+            <a:schemeClr val="accent1"/>
+          </a:effectRef>
+          <a:fontRef idx="minor">
+            <a:schemeClr val="lt1"/>
+          </a:fontRef>
+        </p:style>
+        <p:txBody>
+          <a:bodyPr rtlCol="0" anchor="ctr"/>
+          <a:lstStyle/>
+          <a:p>
+            <a:pPr algn="ctr"/>
+            <a:r>
+              <a:rPr lang="ko-KR" altLang="en-US" dirty="0">
+                <a:latin typeface="서울남산체 B" panose="02020503020101020101" pitchFamily="18" charset="-127"/>
+                <a:ea typeface="서울남산체 B" panose="02020503020101020101" pitchFamily="18" charset="-127"/>
+              </a:rPr>
+              <a:t>서울시 무슬림 친화 식당 분포와</a:t>
+            </a:r>
+            <a:endParaRPr lang="en-US" altLang="ko-KR" dirty="0">
+              <a:latin typeface="서울남산체 B" panose="02020503020101020101" pitchFamily="18" charset="-127"/>
+              <a:ea typeface="서울남산체 B" panose="02020503020101020101" pitchFamily="18" charset="-127"/>
+            </a:endParaRPr>
+          </a:p>
+          <a:p>
+            <a:pPr algn="ctr"/>
+            <a:r>
+              <a:rPr lang="ko-KR" altLang="en-US" dirty="0">
+                <a:latin typeface="서울남산체 B" panose="02020503020101020101" pitchFamily="18" charset="-127"/>
+                <a:ea typeface="서울남산체 B" panose="02020503020101020101" pitchFamily="18" charset="-127"/>
+              </a:rPr>
+              <a:t>서울 시내 쇼핑 목적 </a:t>
+            </a:r>
+            <a:r>
+              <a:rPr lang="ko-KR" altLang="en-US" dirty="0" err="1">
+                <a:latin typeface="서울남산체 B" panose="02020503020101020101" pitchFamily="18" charset="-127"/>
+                <a:ea typeface="서울남산체 B" panose="02020503020101020101" pitchFamily="18" charset="-127"/>
+              </a:rPr>
+              <a:t>방문지</a:t>
+            </a:r>
+            <a:r>
+              <a:rPr lang="ko-KR" altLang="en-US" dirty="0">
+                <a:latin typeface="서울남산체 B" panose="02020503020101020101" pitchFamily="18" charset="-127"/>
+                <a:ea typeface="서울남산체 B" panose="02020503020101020101" pitchFamily="18" charset="-127"/>
+              </a:rPr>
+              <a:t> 분포 결합</a:t>
+            </a:r>
+            <a:endParaRPr lang="en-US" altLang="ko-KR" dirty="0">
+              <a:latin typeface="서울남산체 B" panose="02020503020101020101" pitchFamily="18" charset="-127"/>
+              <a:ea typeface="서울남산체 B" panose="02020503020101020101" pitchFamily="18" charset="-127"/>
+            </a:endParaRPr>
+          </a:p>
+        </p:txBody>
+      </p:sp>
+      <p:cxnSp>
+        <p:nvCxnSpPr>
+          <p:cNvPr id="22" name="직선 연결선 21">
+            <a:extLst>
+              <a:ext uri="{FF2B5EF4-FFF2-40B4-BE49-F238E27FC236}">
+                <a16:creationId xmlns:a16="http://schemas.microsoft.com/office/drawing/2014/main" id="{91C890D5-BE91-4031-9A4D-09AEEFB55359}"/>
+              </a:ext>
+            </a:extLst>
+          </p:cNvPr>
+          <p:cNvCxnSpPr>
+            <a:cxnSpLocks/>
+          </p:cNvCxnSpPr>
+          <p:nvPr/>
+        </p:nvCxnSpPr>
+        <p:spPr>
+          <a:xfrm>
+            <a:off x="9674757" y="6278137"/>
+            <a:ext cx="2517242" cy="0"/>
+          </a:xfrm>
+          <a:prstGeom prst="line">
+            <a:avLst/>
+          </a:prstGeom>
+          <a:ln w="57150">
+            <a:solidFill>
+              <a:schemeClr val="tx1"/>
+            </a:solidFill>
+          </a:ln>
+        </p:spPr>
+        <p:style>
+          <a:lnRef idx="1">
+            <a:schemeClr val="accent1"/>
+          </a:lnRef>
+          <a:fillRef idx="0">
+            <a:schemeClr val="accent1"/>
+          </a:fillRef>
+          <a:effectRef idx="0">
+            <a:schemeClr val="accent1"/>
+          </a:effectRef>
+          <a:fontRef idx="minor">
+            <a:schemeClr val="tx1"/>
+          </a:fontRef>
+        </p:style>
+      </p:cxnSp>
+      <p:sp>
+        <p:nvSpPr>
+          <p:cNvPr id="24" name="TextBox 23">
+            <a:extLst>
+              <a:ext uri="{FF2B5EF4-FFF2-40B4-BE49-F238E27FC236}">
+                <a16:creationId xmlns:a16="http://schemas.microsoft.com/office/drawing/2014/main" id="{1FFD2A2D-2A1B-4BE0-9BA3-CDAD90EA7926}"/>
+              </a:ext>
+            </a:extLst>
+          </p:cNvPr>
+          <p:cNvSpPr txBox="1"/>
+          <p:nvPr/>
+        </p:nvSpPr>
+        <p:spPr>
+          <a:xfrm>
+            <a:off x="9567746" y="5631806"/>
+            <a:ext cx="2624254" cy="646331"/>
+          </a:xfrm>
+          <a:prstGeom prst="rect">
+            <a:avLst/>
+          </a:prstGeom>
+          <a:noFill/>
+        </p:spPr>
+        <p:txBody>
+          <a:bodyPr wrap="square" rtlCol="0">
+            <a:spAutoFit/>
+          </a:bodyPr>
+          <a:lstStyle/>
+          <a:p>
+            <a:r>
+              <a:rPr lang="ko-KR" altLang="en-US" dirty="0">
+                <a:latin typeface="서울남산체 B" panose="02020503020101020101" pitchFamily="18" charset="-127"/>
+                <a:ea typeface="서울남산체 B" panose="02020503020101020101" pitchFamily="18" charset="-127"/>
+              </a:rPr>
+              <a:t>한국관광공사 </a:t>
+            </a:r>
+            <a:endParaRPr lang="en-US" altLang="ko-KR" dirty="0">
+              <a:latin typeface="서울남산체 B" panose="02020503020101020101" pitchFamily="18" charset="-127"/>
+              <a:ea typeface="서울남산체 B" panose="02020503020101020101" pitchFamily="18" charset="-127"/>
+            </a:endParaRPr>
+          </a:p>
+          <a:p>
+            <a:r>
+              <a:rPr lang="ko-KR" altLang="en-US" dirty="0">
+                <a:latin typeface="서울남산체 B" panose="02020503020101020101" pitchFamily="18" charset="-127"/>
+                <a:ea typeface="서울남산체 B" panose="02020503020101020101" pitchFamily="18" charset="-127"/>
+              </a:rPr>
+              <a:t>무슬림 친화 식당 </a:t>
+            </a:r>
+            <a:r>
+              <a:rPr lang="ko-KR" altLang="en-US" dirty="0" err="1">
+                <a:latin typeface="서울남산체 B" panose="02020503020101020101" pitchFamily="18" charset="-127"/>
+                <a:ea typeface="서울남산체 B" panose="02020503020101020101" pitchFamily="18" charset="-127"/>
+              </a:rPr>
+              <a:t>크롤링</a:t>
+            </a:r>
+            <a:endParaRPr lang="ko-KR" altLang="en-US" dirty="0">
+              <a:latin typeface="서울남산체 B" panose="02020503020101020101" pitchFamily="18" charset="-127"/>
+              <a:ea typeface="서울남산체 B" panose="02020503020101020101" pitchFamily="18" charset="-127"/>
+            </a:endParaRPr>
+          </a:p>
+        </p:txBody>
+      </p:sp>
+      <p:sp>
+        <p:nvSpPr>
+          <p:cNvPr id="8" name="1/2 액자 7">
+            <a:extLst>
+              <a:ext uri="{FF2B5EF4-FFF2-40B4-BE49-F238E27FC236}">
+                <a16:creationId xmlns:a16="http://schemas.microsoft.com/office/drawing/2014/main" id="{246D5145-9AA5-4500-BF28-A57920F907B5}"/>
+              </a:ext>
+            </a:extLst>
+          </p:cNvPr>
+          <p:cNvSpPr/>
+          <p:nvPr/>
+        </p:nvSpPr>
+        <p:spPr>
+          <a:xfrm rot="13685549">
+            <a:off x="7941893" y="4473517"/>
+            <a:ext cx="320868" cy="601759"/>
+          </a:xfrm>
+          <a:prstGeom prst="halfFrame">
+            <a:avLst>
+              <a:gd name="adj1" fmla="val 37854"/>
+              <a:gd name="adj2" fmla="val 24978"/>
+            </a:avLst>
+          </a:prstGeom>
+          <a:solidFill>
+            <a:srgbClr val="FF0000"/>
+          </a:solidFill>
+          <a:ln>
+            <a:solidFill>
+              <a:srgbClr val="FF0000"/>
+            </a:solidFill>
+          </a:ln>
+        </p:spPr>
+        <p:style>
+          <a:lnRef idx="2">
+            <a:schemeClr val="accent1">
+              <a:shade val="50000"/>
+            </a:schemeClr>
+          </a:lnRef>
+          <a:fillRef idx="1">
+            <a:schemeClr val="accent1"/>
+          </a:fillRef>
+          <a:effectRef idx="0">
+            <a:schemeClr val="accent1"/>
+          </a:effectRef>
+          <a:fontRef idx="minor">
+            <a:schemeClr val="lt1"/>
+          </a:fontRef>
+        </p:style>
+        <p:txBody>
+          <a:bodyPr rtlCol="0" anchor="ctr"/>
+          <a:lstStyle/>
+          <a:p>
+            <a:pPr algn="ctr"/>
+            <a:endParaRPr lang="ko-KR" altLang="en-US">
+              <a:solidFill>
+                <a:schemeClr val="tx1"/>
+              </a:solidFill>
+            </a:endParaRPr>
+          </a:p>
+        </p:txBody>
+      </p:sp>
+      <p:sp>
+        <p:nvSpPr>
+          <p:cNvPr id="19" name="1/2 액자 18">
+            <a:extLst>
+              <a:ext uri="{FF2B5EF4-FFF2-40B4-BE49-F238E27FC236}">
+                <a16:creationId xmlns:a16="http://schemas.microsoft.com/office/drawing/2014/main" id="{D3942B06-57D8-4FD7-A6F4-0EA454792B4D}"/>
+              </a:ext>
+            </a:extLst>
+          </p:cNvPr>
+          <p:cNvSpPr/>
+          <p:nvPr/>
+        </p:nvSpPr>
+        <p:spPr>
+          <a:xfrm rot="13685549">
+            <a:off x="4800711" y="4048048"/>
+            <a:ext cx="320868" cy="601759"/>
+          </a:xfrm>
+          <a:prstGeom prst="halfFrame">
+            <a:avLst>
+              <a:gd name="adj1" fmla="val 37854"/>
+              <a:gd name="adj2" fmla="val 24978"/>
+            </a:avLst>
+          </a:prstGeom>
+          <a:solidFill>
+            <a:srgbClr val="FF0000"/>
+          </a:solidFill>
+          <a:ln>
+            <a:solidFill>
+              <a:srgbClr val="FF0000"/>
+            </a:solidFill>
+          </a:ln>
+        </p:spPr>
+        <p:style>
+          <a:lnRef idx="2">
+            <a:schemeClr val="accent1">
+              <a:shade val="50000"/>
+            </a:schemeClr>
+          </a:lnRef>
+          <a:fillRef idx="1">
+            <a:schemeClr val="accent1"/>
+          </a:fillRef>
+          <a:effectRef idx="0">
+            <a:schemeClr val="accent1"/>
+          </a:effectRef>
+          <a:fontRef idx="minor">
+            <a:schemeClr val="lt1"/>
+          </a:fontRef>
+        </p:style>
+        <p:txBody>
+          <a:bodyPr rtlCol="0" anchor="ctr"/>
+          <a:lstStyle/>
+          <a:p>
+            <a:pPr algn="ctr"/>
+            <a:endParaRPr lang="ko-KR" altLang="en-US">
+              <a:solidFill>
+                <a:schemeClr val="tx1"/>
+              </a:solidFill>
+            </a:endParaRPr>
+          </a:p>
+        </p:txBody>
+      </p:sp>
+      <p:sp>
+        <p:nvSpPr>
+          <p:cNvPr id="20" name="1/2 액자 19">
+            <a:extLst>
+              <a:ext uri="{FF2B5EF4-FFF2-40B4-BE49-F238E27FC236}">
+                <a16:creationId xmlns:a16="http://schemas.microsoft.com/office/drawing/2014/main" id="{D6B928B6-E8DA-4D46-819E-21CCA8EED2DE}"/>
+              </a:ext>
+            </a:extLst>
+          </p:cNvPr>
+          <p:cNvSpPr/>
+          <p:nvPr/>
+        </p:nvSpPr>
+        <p:spPr>
+          <a:xfrm rot="13685549">
+            <a:off x="3460641" y="3091608"/>
+            <a:ext cx="320868" cy="601759"/>
+          </a:xfrm>
+          <a:prstGeom prst="halfFrame">
+            <a:avLst>
+              <a:gd name="adj1" fmla="val 37854"/>
+              <a:gd name="adj2" fmla="val 24978"/>
+            </a:avLst>
+          </a:prstGeom>
+          <a:solidFill>
+            <a:srgbClr val="FF0000"/>
+          </a:solidFill>
+          <a:ln>
+            <a:solidFill>
+              <a:srgbClr val="FF0000"/>
+            </a:solidFill>
+          </a:ln>
+        </p:spPr>
+        <p:style>
+          <a:lnRef idx="2">
+            <a:schemeClr val="accent1">
+              <a:shade val="50000"/>
+            </a:schemeClr>
+          </a:lnRef>
+          <a:fillRef idx="1">
+            <a:schemeClr val="accent1"/>
+          </a:fillRef>
+          <a:effectRef idx="0">
+            <a:schemeClr val="accent1"/>
+          </a:effectRef>
+          <a:fontRef idx="minor">
+            <a:schemeClr val="lt1"/>
+          </a:fontRef>
+        </p:style>
+        <p:txBody>
+          <a:bodyPr rtlCol="0" anchor="ctr"/>
+          <a:lstStyle/>
+          <a:p>
+            <a:pPr algn="ctr"/>
+            <a:endParaRPr lang="ko-KR" altLang="en-US">
+              <a:solidFill>
+                <a:schemeClr val="tx1"/>
+              </a:solidFill>
+            </a:endParaRPr>
+          </a:p>
+        </p:txBody>
+      </p:sp>
+      <p:sp>
+        <p:nvSpPr>
+          <p:cNvPr id="26" name="1/2 액자 25">
+            <a:extLst>
+              <a:ext uri="{FF2B5EF4-FFF2-40B4-BE49-F238E27FC236}">
+                <a16:creationId xmlns:a16="http://schemas.microsoft.com/office/drawing/2014/main" id="{C1BA4CF6-DE20-4A82-B74A-C315A40599D0}"/>
+              </a:ext>
+            </a:extLst>
+          </p:cNvPr>
+          <p:cNvSpPr/>
+          <p:nvPr/>
+        </p:nvSpPr>
+        <p:spPr>
+          <a:xfrm rot="13685549">
+            <a:off x="6575312" y="2516487"/>
+            <a:ext cx="320868" cy="601759"/>
+          </a:xfrm>
+          <a:prstGeom prst="halfFrame">
+            <a:avLst>
+              <a:gd name="adj1" fmla="val 37854"/>
+              <a:gd name="adj2" fmla="val 24978"/>
+            </a:avLst>
+          </a:prstGeom>
+          <a:solidFill>
+            <a:srgbClr val="FF0000"/>
+          </a:solidFill>
+          <a:ln>
+            <a:solidFill>
+              <a:srgbClr val="FF0000"/>
+            </a:solidFill>
+          </a:ln>
+        </p:spPr>
+        <p:style>
+          <a:lnRef idx="2">
+            <a:schemeClr val="accent1">
+              <a:shade val="50000"/>
+            </a:schemeClr>
+          </a:lnRef>
+          <a:fillRef idx="1">
+            <a:schemeClr val="accent1"/>
+          </a:fillRef>
+          <a:effectRef idx="0">
+            <a:schemeClr val="accent1"/>
+          </a:effectRef>
+          <a:fontRef idx="minor">
+            <a:schemeClr val="lt1"/>
+          </a:fontRef>
+        </p:style>
+        <p:txBody>
+          <a:bodyPr rtlCol="0" anchor="ctr"/>
+          <a:lstStyle/>
+          <a:p>
+            <a:pPr algn="ctr"/>
+            <a:endParaRPr lang="ko-KR" altLang="en-US">
+              <a:solidFill>
+                <a:schemeClr val="tx1"/>
+              </a:solidFill>
+            </a:endParaRPr>
+          </a:p>
+        </p:txBody>
+      </p:sp>
+      <p:sp>
+        <p:nvSpPr>
+          <p:cNvPr id="28" name="1/2 액자 27">
+            <a:extLst>
+              <a:ext uri="{FF2B5EF4-FFF2-40B4-BE49-F238E27FC236}">
+                <a16:creationId xmlns:a16="http://schemas.microsoft.com/office/drawing/2014/main" id="{7EB7AB7D-701B-4035-B044-2A586DE920A1}"/>
+              </a:ext>
+            </a:extLst>
+          </p:cNvPr>
+          <p:cNvSpPr/>
+          <p:nvPr/>
+        </p:nvSpPr>
+        <p:spPr>
+          <a:xfrm rot="13685549">
+            <a:off x="7095633" y="2940806"/>
+            <a:ext cx="320868" cy="601759"/>
+          </a:xfrm>
+          <a:prstGeom prst="halfFrame">
+            <a:avLst>
+              <a:gd name="adj1" fmla="val 37854"/>
+              <a:gd name="adj2" fmla="val 24978"/>
+            </a:avLst>
+          </a:prstGeom>
+          <a:solidFill>
+            <a:srgbClr val="FF0000"/>
+          </a:solidFill>
+          <a:ln>
+            <a:solidFill>
+              <a:srgbClr val="FF0000"/>
+            </a:solidFill>
+          </a:ln>
+        </p:spPr>
+        <p:style>
+          <a:lnRef idx="2">
+            <a:schemeClr val="accent1">
+              <a:shade val="50000"/>
+            </a:schemeClr>
+          </a:lnRef>
+          <a:fillRef idx="1">
+            <a:schemeClr val="accent1"/>
+          </a:fillRef>
+          <a:effectRef idx="0">
+            <a:schemeClr val="accent1"/>
+          </a:effectRef>
+          <a:fontRef idx="minor">
+            <a:schemeClr val="lt1"/>
+          </a:fontRef>
+        </p:style>
+        <p:txBody>
+          <a:bodyPr rtlCol="0" anchor="ctr"/>
+          <a:lstStyle/>
+          <a:p>
+            <a:pPr algn="ctr"/>
+            <a:endParaRPr lang="ko-KR" altLang="en-US">
+              <a:solidFill>
+                <a:schemeClr val="tx1"/>
+              </a:solidFill>
+            </a:endParaRPr>
+          </a:p>
+        </p:txBody>
+      </p:sp>
+      <p:sp>
+        <p:nvSpPr>
+          <p:cNvPr id="30" name="1/2 액자 29">
+            <a:extLst>
+              <a:ext uri="{FF2B5EF4-FFF2-40B4-BE49-F238E27FC236}">
+                <a16:creationId xmlns:a16="http://schemas.microsoft.com/office/drawing/2014/main" id="{7962868A-DFA4-40D4-88BA-F0963CABD5B4}"/>
+              </a:ext>
+            </a:extLst>
+          </p:cNvPr>
+          <p:cNvSpPr/>
+          <p:nvPr/>
+        </p:nvSpPr>
+        <p:spPr>
+          <a:xfrm rot="13685549">
+            <a:off x="7397303" y="3667580"/>
+            <a:ext cx="320868" cy="601759"/>
+          </a:xfrm>
+          <a:prstGeom prst="halfFrame">
+            <a:avLst>
+              <a:gd name="adj1" fmla="val 37854"/>
+              <a:gd name="adj2" fmla="val 24978"/>
+            </a:avLst>
+          </a:prstGeom>
+          <a:solidFill>
+            <a:srgbClr val="FF0000"/>
+          </a:solidFill>
+          <a:ln>
+            <a:solidFill>
+              <a:srgbClr val="FF0000"/>
+            </a:solidFill>
+          </a:ln>
+        </p:spPr>
+        <p:style>
+          <a:lnRef idx="2">
+            <a:schemeClr val="accent1">
+              <a:shade val="50000"/>
+            </a:schemeClr>
+          </a:lnRef>
+          <a:fillRef idx="1">
+            <a:schemeClr val="accent1"/>
+          </a:fillRef>
+          <a:effectRef idx="0">
+            <a:schemeClr val="accent1"/>
+          </a:effectRef>
+          <a:fontRef idx="minor">
+            <a:schemeClr val="lt1"/>
+          </a:fontRef>
+        </p:style>
+        <p:txBody>
+          <a:bodyPr rtlCol="0" anchor="ctr"/>
+          <a:lstStyle/>
+          <a:p>
+            <a:pPr algn="ctr"/>
+            <a:endParaRPr lang="ko-KR" altLang="en-US">
+              <a:solidFill>
+                <a:schemeClr val="tx1"/>
+              </a:solidFill>
+            </a:endParaRPr>
+          </a:p>
+        </p:txBody>
+      </p:sp>
+      <p:sp>
+        <p:nvSpPr>
+          <p:cNvPr id="31" name="사각형: 둥근 모서리 30">
+            <a:extLst>
+              <a:ext uri="{FF2B5EF4-FFF2-40B4-BE49-F238E27FC236}">
+                <a16:creationId xmlns:a16="http://schemas.microsoft.com/office/drawing/2014/main" id="{C57E1702-588D-47A6-AB6F-6A39799CEF83}"/>
+              </a:ext>
+            </a:extLst>
+          </p:cNvPr>
+          <p:cNvSpPr/>
+          <p:nvPr/>
+        </p:nvSpPr>
+        <p:spPr>
+          <a:xfrm>
+            <a:off x="637814" y="4941606"/>
+            <a:ext cx="2601826" cy="949220"/>
+          </a:xfrm>
+          <a:prstGeom prst="roundRect">
+            <a:avLst/>
+          </a:prstGeom>
+        </p:spPr>
+        <p:style>
+          <a:lnRef idx="2">
+            <a:schemeClr val="accent1">
+              <a:shade val="50000"/>
+            </a:schemeClr>
+          </a:lnRef>
+          <a:fillRef idx="1">
+            <a:schemeClr val="accent1"/>
+          </a:fillRef>
+          <a:effectRef idx="0">
+            <a:schemeClr val="accent1"/>
+          </a:effectRef>
+          <a:fontRef idx="minor">
+            <a:schemeClr val="lt1"/>
+          </a:fontRef>
+        </p:style>
+        <p:txBody>
+          <a:bodyPr rtlCol="0" anchor="ctr"/>
+          <a:lstStyle/>
+          <a:p>
+            <a:pPr algn="ctr"/>
+            <a:r>
+              <a:rPr lang="ko-KR" altLang="en-US" dirty="0">
+                <a:latin typeface="서울남산체 B" panose="02020503020101020101" pitchFamily="18" charset="-127"/>
+                <a:ea typeface="서울남산체 B" panose="02020503020101020101" pitchFamily="18" charset="-127"/>
+              </a:rPr>
+              <a:t>송파구</a:t>
+            </a:r>
+            <a:r>
+              <a:rPr lang="en-US" altLang="ko-KR" dirty="0">
+                <a:latin typeface="서울남산체 B" panose="02020503020101020101" pitchFamily="18" charset="-127"/>
+                <a:ea typeface="서울남산체 B" panose="02020503020101020101" pitchFamily="18" charset="-127"/>
+              </a:rPr>
+              <a:t>, </a:t>
+            </a:r>
+            <a:r>
+              <a:rPr lang="ko-KR" altLang="en-US" dirty="0">
+                <a:latin typeface="서울남산체 B" panose="02020503020101020101" pitchFamily="18" charset="-127"/>
+                <a:ea typeface="서울남산체 B" panose="02020503020101020101" pitchFamily="18" charset="-127"/>
+              </a:rPr>
+              <a:t>영등포구</a:t>
+            </a:r>
+            <a:r>
+              <a:rPr lang="en-US" altLang="ko-KR" dirty="0">
+                <a:latin typeface="서울남산체 B" panose="02020503020101020101" pitchFamily="18" charset="-127"/>
+                <a:ea typeface="서울남산체 B" panose="02020503020101020101" pitchFamily="18" charset="-127"/>
+              </a:rPr>
+              <a:t>, </a:t>
+            </a:r>
+            <a:r>
+              <a:rPr lang="ko-KR" altLang="en-US" dirty="0">
+                <a:latin typeface="서울남산체 B" panose="02020503020101020101" pitchFamily="18" charset="-127"/>
+                <a:ea typeface="서울남산체 B" panose="02020503020101020101" pitchFamily="18" charset="-127"/>
+              </a:rPr>
+              <a:t>강서구</a:t>
+            </a:r>
+            <a:r>
+              <a:rPr lang="en-US" altLang="ko-KR" dirty="0">
+                <a:latin typeface="서울남산체 B" panose="02020503020101020101" pitchFamily="18" charset="-127"/>
+                <a:ea typeface="서울남산체 B" panose="02020503020101020101" pitchFamily="18" charset="-127"/>
+              </a:rPr>
+              <a:t>, </a:t>
+            </a:r>
+          </a:p>
+          <a:p>
+            <a:pPr algn="ctr"/>
+            <a:r>
+              <a:rPr lang="ko-KR" altLang="en-US" dirty="0">
+                <a:latin typeface="서울남산체 B" panose="02020503020101020101" pitchFamily="18" charset="-127"/>
+                <a:ea typeface="서울남산체 B" panose="02020503020101020101" pitchFamily="18" charset="-127"/>
+              </a:rPr>
+              <a:t>동대문구</a:t>
+            </a:r>
+            <a:r>
+              <a:rPr lang="en-US" altLang="ko-KR" dirty="0">
+                <a:latin typeface="서울남산체 B" panose="02020503020101020101" pitchFamily="18" charset="-127"/>
+                <a:ea typeface="서울남산체 B" panose="02020503020101020101" pitchFamily="18" charset="-127"/>
+              </a:rPr>
+              <a:t>, </a:t>
+            </a:r>
+            <a:r>
+              <a:rPr lang="ko-KR" altLang="en-US" dirty="0">
+                <a:latin typeface="서울남산체 B" panose="02020503020101020101" pitchFamily="18" charset="-127"/>
+                <a:ea typeface="서울남산체 B" panose="02020503020101020101" pitchFamily="18" charset="-127"/>
+              </a:rPr>
+              <a:t>광진구 성북구</a:t>
+            </a:r>
+          </a:p>
+        </p:txBody>
+      </p:sp>
+      <p:sp>
+        <p:nvSpPr>
+          <p:cNvPr id="33" name="사각형: 둥근 모서리 32">
+            <a:extLst>
+              <a:ext uri="{FF2B5EF4-FFF2-40B4-BE49-F238E27FC236}">
+                <a16:creationId xmlns:a16="http://schemas.microsoft.com/office/drawing/2014/main" id="{6677EC5D-D7C0-41DF-A2FF-ADCD6305A857}"/>
+              </a:ext>
+            </a:extLst>
+          </p:cNvPr>
+          <p:cNvSpPr/>
+          <p:nvPr/>
+        </p:nvSpPr>
+        <p:spPr>
+          <a:xfrm>
+            <a:off x="8953768" y="2645948"/>
+            <a:ext cx="2601826" cy="949220"/>
+          </a:xfrm>
+          <a:prstGeom prst="roundRect">
+            <a:avLst/>
+          </a:prstGeom>
+        </p:spPr>
+        <p:style>
+          <a:lnRef idx="2">
+            <a:schemeClr val="accent1">
+              <a:shade val="50000"/>
+            </a:schemeClr>
+          </a:lnRef>
+          <a:fillRef idx="1">
+            <a:schemeClr val="accent1"/>
+          </a:fillRef>
+          <a:effectRef idx="0">
+            <a:schemeClr val="accent1"/>
+          </a:effectRef>
+          <a:fontRef idx="minor">
+            <a:schemeClr val="lt1"/>
+          </a:fontRef>
+        </p:style>
+        <p:txBody>
+          <a:bodyPr rtlCol="0" anchor="ctr"/>
+          <a:lstStyle/>
+          <a:p>
+            <a:pPr algn="ctr"/>
+            <a:r>
+              <a:rPr lang="ko-KR" altLang="en-US" dirty="0">
+                <a:latin typeface="서울남산체 B" panose="02020503020101020101" pitchFamily="18" charset="-127"/>
+                <a:ea typeface="서울남산체 B" panose="02020503020101020101" pitchFamily="18" charset="-127"/>
+              </a:rPr>
+              <a:t>무슬림 친화 식당 </a:t>
+            </a:r>
+            <a:endParaRPr lang="en-US" altLang="ko-KR" dirty="0">
+              <a:latin typeface="서울남산체 B" panose="02020503020101020101" pitchFamily="18" charset="-127"/>
+              <a:ea typeface="서울남산체 B" panose="02020503020101020101" pitchFamily="18" charset="-127"/>
+            </a:endParaRPr>
+          </a:p>
+          <a:p>
+            <a:pPr algn="ctr"/>
+            <a:r>
+              <a:rPr lang="ko-KR" altLang="en-US" dirty="0">
+                <a:latin typeface="서울남산체 B" panose="02020503020101020101" pitchFamily="18" charset="-127"/>
+                <a:ea typeface="서울남산체 B" panose="02020503020101020101" pitchFamily="18" charset="-127"/>
+              </a:rPr>
+              <a:t>추가 유치 필요</a:t>
+            </a:r>
+          </a:p>
+        </p:txBody>
+      </p:sp>
+    </p:spTree>
+    <p:extLst>
+      <p:ext uri="{BB962C8B-B14F-4D97-AF65-F5344CB8AC3E}">
+        <p14:creationId xmlns:p14="http://schemas.microsoft.com/office/powerpoint/2010/main" val="64625064"/>
+      </p:ext>
+    </p:extLst>
+  </p:cSld>
+  <p:clrMapOvr>
+    <a:masterClrMapping/>
+  </p:clrMapOvr>
+</p:sld>
+</file>
+
+<file path=ppt/slides/slide11.xml><?xml version="1.0" encoding="utf-8"?>
+<p:sld xmlns:a="http://schemas.openxmlformats.org/drawingml/2006/main" xmlns:r="http://schemas.openxmlformats.org/officeDocument/2006/relationships" xmlns:p="http://schemas.openxmlformats.org/presentationml/2006/main" showMasterSp="0">
+  <p:cSld>
+    <p:spTree>
+      <p:nvGrpSpPr>
+        <p:cNvPr id="1" name=""/>
+        <p:cNvGrpSpPr/>
+        <p:nvPr/>
+      </p:nvGrpSpPr>
+      <p:grpSpPr>
+        <a:xfrm>
+          <a:off x="0" y="0"/>
+          <a:ext cx="0" cy="0"/>
+          <a:chOff x="0" y="0"/>
+          <a:chExt cx="0" cy="0"/>
+        </a:xfrm>
+      </p:grpSpPr>
+      <p:grpSp>
+        <p:nvGrpSpPr>
+          <p:cNvPr id="10" name="그룹 9">
+            <a:extLst>
+              <a:ext uri="{FF2B5EF4-FFF2-40B4-BE49-F238E27FC236}">
+                <a16:creationId xmlns:a16="http://schemas.microsoft.com/office/drawing/2014/main" id="{BDDC12B7-2293-4465-9A80-811AB739417A}"/>
+              </a:ext>
+            </a:extLst>
+          </p:cNvPr>
+          <p:cNvGrpSpPr/>
+          <p:nvPr/>
+        </p:nvGrpSpPr>
+        <p:grpSpPr>
+          <a:xfrm>
+            <a:off x="1" y="-16542"/>
+            <a:ext cx="14512134" cy="870519"/>
+            <a:chOff x="1" y="-16542"/>
+            <a:chExt cx="14512134" cy="870519"/>
+          </a:xfrm>
+        </p:grpSpPr>
+        <p:pic>
+          <p:nvPicPr>
+            <p:cNvPr id="11" name="그림 10">
+              <a:extLst>
+                <a:ext uri="{FF2B5EF4-FFF2-40B4-BE49-F238E27FC236}">
+                  <a16:creationId xmlns:a16="http://schemas.microsoft.com/office/drawing/2014/main" id="{BC7A1B08-A909-4CF2-B9C4-E0E656533B67}"/>
+                </a:ext>
+              </a:extLst>
+            </p:cNvPr>
+            <p:cNvPicPr>
+              <a:picLocks noChangeAspect="1"/>
+            </p:cNvPicPr>
+            <p:nvPr/>
+          </p:nvPicPr>
+          <p:blipFill>
+            <a:blip r:embed="rId2">
+              <a:extLst>
+                <a:ext uri="{28A0092B-C50C-407E-A947-70E740481C1C}">
+                  <a14:useLocalDpi xmlns:a14="http://schemas.microsoft.com/office/drawing/2010/main" val="0"/>
+                </a:ext>
+              </a:extLst>
+            </a:blip>
+            <a:stretch>
+              <a:fillRect/>
+            </a:stretch>
+          </p:blipFill>
+          <p:spPr>
+            <a:xfrm>
+              <a:off x="1" y="-6181"/>
+              <a:ext cx="4837378" cy="433429"/>
+            </a:xfrm>
+            <a:prstGeom prst="rect">
+              <a:avLst/>
+            </a:prstGeom>
+          </p:spPr>
+        </p:pic>
+        <p:pic>
+          <p:nvPicPr>
+            <p:cNvPr id="12" name="그림 11">
+              <a:extLst>
+                <a:ext uri="{FF2B5EF4-FFF2-40B4-BE49-F238E27FC236}">
+                  <a16:creationId xmlns:a16="http://schemas.microsoft.com/office/drawing/2014/main" id="{41814924-F3CE-44B3-B4FD-2EC92D1E7C33}"/>
+                </a:ext>
+              </a:extLst>
+            </p:cNvPr>
+            <p:cNvPicPr>
+              <a:picLocks noChangeAspect="1"/>
+            </p:cNvPicPr>
+            <p:nvPr/>
+          </p:nvPicPr>
+          <p:blipFill>
+            <a:blip r:embed="rId2">
+              <a:extLst>
+                <a:ext uri="{28A0092B-C50C-407E-A947-70E740481C1C}">
+                  <a14:useLocalDpi xmlns:a14="http://schemas.microsoft.com/office/drawing/2010/main" val="0"/>
+                </a:ext>
+              </a:extLst>
+            </a:blip>
+            <a:stretch>
+              <a:fillRect/>
+            </a:stretch>
+          </p:blipFill>
+          <p:spPr>
+            <a:xfrm>
+              <a:off x="4837379" y="-6182"/>
+              <a:ext cx="4837378" cy="433429"/>
+            </a:xfrm>
+            <a:prstGeom prst="rect">
+              <a:avLst/>
+            </a:prstGeom>
+          </p:spPr>
+        </p:pic>
+        <p:pic>
+          <p:nvPicPr>
+            <p:cNvPr id="14" name="그림 13">
+              <a:extLst>
+                <a:ext uri="{FF2B5EF4-FFF2-40B4-BE49-F238E27FC236}">
+                  <a16:creationId xmlns:a16="http://schemas.microsoft.com/office/drawing/2014/main" id="{5029C520-A684-40B3-B50C-1999AB952902}"/>
+                </a:ext>
+              </a:extLst>
+            </p:cNvPr>
+            <p:cNvPicPr>
+              <a:picLocks noChangeAspect="1"/>
+            </p:cNvPicPr>
+            <p:nvPr/>
+          </p:nvPicPr>
+          <p:blipFill>
+            <a:blip r:embed="rId2">
+              <a:extLst>
+                <a:ext uri="{28A0092B-C50C-407E-A947-70E740481C1C}">
+                  <a14:useLocalDpi xmlns:a14="http://schemas.microsoft.com/office/drawing/2010/main" val="0"/>
+                </a:ext>
+              </a:extLst>
+            </a:blip>
+            <a:stretch>
+              <a:fillRect/>
+            </a:stretch>
+          </p:blipFill>
+          <p:spPr>
+            <a:xfrm>
+              <a:off x="9674757" y="-16542"/>
+              <a:ext cx="4837378" cy="433429"/>
+            </a:xfrm>
+            <a:prstGeom prst="rect">
+              <a:avLst/>
+            </a:prstGeom>
+          </p:spPr>
+        </p:pic>
+        <p:pic>
+          <p:nvPicPr>
+            <p:cNvPr id="15" name="그림 14">
+              <a:extLst>
+                <a:ext uri="{FF2B5EF4-FFF2-40B4-BE49-F238E27FC236}">
+                  <a16:creationId xmlns:a16="http://schemas.microsoft.com/office/drawing/2014/main" id="{D6EC80B7-25F0-499F-A61B-78A2BE8BC314}"/>
+                </a:ext>
+              </a:extLst>
+            </p:cNvPr>
+            <p:cNvPicPr>
+              <a:picLocks noChangeAspect="1"/>
+            </p:cNvPicPr>
+            <p:nvPr/>
+          </p:nvPicPr>
+          <p:blipFill>
+            <a:blip r:embed="rId2">
+              <a:extLst>
+                <a:ext uri="{28A0092B-C50C-407E-A947-70E740481C1C}">
+                  <a14:useLocalDpi xmlns:a14="http://schemas.microsoft.com/office/drawing/2010/main" val="0"/>
+                </a:ext>
+              </a:extLst>
+            </a:blip>
+            <a:stretch>
+              <a:fillRect/>
+            </a:stretch>
+          </p:blipFill>
+          <p:spPr>
+            <a:xfrm>
+              <a:off x="1" y="416887"/>
+              <a:ext cx="4837378" cy="433429"/>
+            </a:xfrm>
+            <a:prstGeom prst="rect">
+              <a:avLst/>
+            </a:prstGeom>
+          </p:spPr>
+        </p:pic>
+        <p:pic>
+          <p:nvPicPr>
+            <p:cNvPr id="16" name="그림 15">
+              <a:extLst>
+                <a:ext uri="{FF2B5EF4-FFF2-40B4-BE49-F238E27FC236}">
+                  <a16:creationId xmlns:a16="http://schemas.microsoft.com/office/drawing/2014/main" id="{A221FDC5-0F30-49D9-A663-78440C704B07}"/>
+                </a:ext>
+              </a:extLst>
+            </p:cNvPr>
+            <p:cNvPicPr>
+              <a:picLocks noChangeAspect="1"/>
+            </p:cNvPicPr>
+            <p:nvPr/>
+          </p:nvPicPr>
+          <p:blipFill>
+            <a:blip r:embed="rId2">
+              <a:extLst>
+                <a:ext uri="{28A0092B-C50C-407E-A947-70E740481C1C}">
+                  <a14:useLocalDpi xmlns:a14="http://schemas.microsoft.com/office/drawing/2010/main" val="0"/>
+                </a:ext>
+              </a:extLst>
+            </a:blip>
+            <a:stretch>
+              <a:fillRect/>
+            </a:stretch>
+          </p:blipFill>
+          <p:spPr>
+            <a:xfrm>
+              <a:off x="4837379" y="418136"/>
+              <a:ext cx="4837378" cy="433429"/>
+            </a:xfrm>
+            <a:prstGeom prst="rect">
+              <a:avLst/>
+            </a:prstGeom>
+          </p:spPr>
+        </p:pic>
+        <p:pic>
+          <p:nvPicPr>
+            <p:cNvPr id="17" name="그림 16">
+              <a:extLst>
+                <a:ext uri="{FF2B5EF4-FFF2-40B4-BE49-F238E27FC236}">
+                  <a16:creationId xmlns:a16="http://schemas.microsoft.com/office/drawing/2014/main" id="{2C5673B7-C4D3-4054-8CBA-661E4909BD32}"/>
+                </a:ext>
+              </a:extLst>
+            </p:cNvPr>
+            <p:cNvPicPr>
+              <a:picLocks noChangeAspect="1"/>
+            </p:cNvPicPr>
+            <p:nvPr/>
+          </p:nvPicPr>
+          <p:blipFill>
+            <a:blip r:embed="rId2">
+              <a:extLst>
+                <a:ext uri="{28A0092B-C50C-407E-A947-70E740481C1C}">
+                  <a14:useLocalDpi xmlns:a14="http://schemas.microsoft.com/office/drawing/2010/main" val="0"/>
+                </a:ext>
+              </a:extLst>
+            </a:blip>
+            <a:stretch>
+              <a:fillRect/>
+            </a:stretch>
+          </p:blipFill>
+          <p:spPr>
+            <a:xfrm>
+              <a:off x="9674757" y="420548"/>
+              <a:ext cx="4837378" cy="433429"/>
+            </a:xfrm>
+            <a:prstGeom prst="rect">
+              <a:avLst/>
+            </a:prstGeom>
+          </p:spPr>
+        </p:pic>
+      </p:grpSp>
+      <p:sp>
+        <p:nvSpPr>
+          <p:cNvPr id="2" name="TextBox 1">
+            <a:extLst>
+              <a:ext uri="{FF2B5EF4-FFF2-40B4-BE49-F238E27FC236}">
+                <a16:creationId xmlns:a16="http://schemas.microsoft.com/office/drawing/2014/main" id="{C482CDA8-E98D-48A4-AD68-DEFF98A473BA}"/>
+              </a:ext>
+            </a:extLst>
+          </p:cNvPr>
+          <p:cNvSpPr txBox="1"/>
+          <p:nvPr/>
+        </p:nvSpPr>
+        <p:spPr>
+          <a:xfrm>
+            <a:off x="286051" y="236757"/>
+            <a:ext cx="4551328" cy="461665"/>
+          </a:xfrm>
+          <a:prstGeom prst="rect">
+            <a:avLst/>
+          </a:prstGeom>
+          <a:noFill/>
+        </p:spPr>
+        <p:txBody>
+          <a:bodyPr wrap="square" rtlCol="0">
+            <a:spAutoFit/>
+          </a:bodyPr>
+          <a:lstStyle/>
+          <a:p>
+            <a:r>
+              <a:rPr lang="en-US" altLang="ko-KR" sz="2400" b="1" dirty="0">
+                <a:latin typeface="서울남산체 EB" panose="02020503020101020101" pitchFamily="18" charset="-127"/>
+                <a:ea typeface="서울남산체 EB" panose="02020503020101020101" pitchFamily="18" charset="-127"/>
+              </a:rPr>
+              <a:t>01. </a:t>
+            </a:r>
+            <a:r>
+              <a:rPr lang="ko-KR" altLang="en-US" sz="2400" b="1" dirty="0">
+                <a:latin typeface="서울남산체 EB" panose="02020503020101020101" pitchFamily="18" charset="-127"/>
+                <a:ea typeface="서울남산체 EB" panose="02020503020101020101" pitchFamily="18" charset="-127"/>
+              </a:rPr>
+              <a:t>데이터 시각화</a:t>
+            </a:r>
+          </a:p>
+        </p:txBody>
+      </p:sp>
+      <p:sp>
+        <p:nvSpPr>
+          <p:cNvPr id="6" name="사각형: 둥근 모서리 5">
+            <a:extLst>
+              <a:ext uri="{FF2B5EF4-FFF2-40B4-BE49-F238E27FC236}">
+                <a16:creationId xmlns:a16="http://schemas.microsoft.com/office/drawing/2014/main" id="{6167CD4B-5BDB-4B83-A053-B7F760DFB90C}"/>
+              </a:ext>
+            </a:extLst>
+          </p:cNvPr>
+          <p:cNvSpPr/>
+          <p:nvPr/>
+        </p:nvSpPr>
+        <p:spPr>
+          <a:xfrm>
+            <a:off x="486110" y="1023197"/>
+            <a:ext cx="3865159" cy="612887"/>
+          </a:xfrm>
+          <a:prstGeom prst="roundRect">
+            <a:avLst/>
+          </a:prstGeom>
+        </p:spPr>
+        <p:style>
+          <a:lnRef idx="2">
+            <a:schemeClr val="accent1">
+              <a:shade val="50000"/>
+            </a:schemeClr>
+          </a:lnRef>
+          <a:fillRef idx="1">
+            <a:schemeClr val="accent1"/>
+          </a:fillRef>
+          <a:effectRef idx="0">
+            <a:schemeClr val="accent1"/>
+          </a:effectRef>
+          <a:fontRef idx="minor">
+            <a:schemeClr val="lt1"/>
+          </a:fontRef>
+        </p:style>
+        <p:txBody>
+          <a:bodyPr rtlCol="0" anchor="ctr"/>
+          <a:lstStyle/>
+          <a:p>
+            <a:pPr algn="ctr"/>
+            <a:r>
+              <a:rPr lang="ko-KR" altLang="en-US" dirty="0">
+                <a:latin typeface="서울남산체 B" panose="02020503020101020101" pitchFamily="18" charset="-127"/>
+                <a:ea typeface="서울남산체 B" panose="02020503020101020101" pitchFamily="18" charset="-127"/>
+              </a:rPr>
+              <a:t>연구 한계 </a:t>
+            </a:r>
+            <a:endParaRPr lang="en-US" altLang="ko-KR" dirty="0">
+              <a:latin typeface="서울남산체 B" panose="02020503020101020101" pitchFamily="18" charset="-127"/>
+              <a:ea typeface="서울남산체 B" panose="02020503020101020101" pitchFamily="18" charset="-127"/>
+            </a:endParaRPr>
+          </a:p>
+        </p:txBody>
+      </p:sp>
+    </p:spTree>
+    <p:extLst>
+      <p:ext uri="{BB962C8B-B14F-4D97-AF65-F5344CB8AC3E}">
+        <p14:creationId xmlns:p14="http://schemas.microsoft.com/office/powerpoint/2010/main" val="1854419000"/>
+      </p:ext>
+    </p:extLst>
+  </p:cSld>
+  <p:clrMapOvr>
+    <a:masterClrMapping/>
+  </p:clrMapOvr>
+</p:sld>
+</file>
+
 <file path=ppt/slides/slide2.xml><?xml version="1.0" encoding="utf-8"?>
 <p:sld xmlns:a="http://schemas.openxmlformats.org/drawingml/2006/main" xmlns:r="http://schemas.openxmlformats.org/officeDocument/2006/relationships" xmlns:p="http://schemas.openxmlformats.org/presentationml/2006/main">
   <p:cSld>
@@ -13262,6 +14746,36 @@
           </a:graphicData>
         </a:graphic>
       </p:graphicFrame>
+      <p:pic>
+        <p:nvPicPr>
+          <p:cNvPr id="4" name="그림 3">
+            <a:extLst>
+              <a:ext uri="{FF2B5EF4-FFF2-40B4-BE49-F238E27FC236}">
+                <a16:creationId xmlns:a16="http://schemas.microsoft.com/office/drawing/2014/main" id="{79FF2E43-8BAF-4FCC-89A6-0372B0C0494E}"/>
+              </a:ext>
+            </a:extLst>
+          </p:cNvPr>
+          <p:cNvPicPr>
+            <a:picLocks noChangeAspect="1"/>
+          </p:cNvPicPr>
+          <p:nvPr/>
+        </p:nvPicPr>
+        <p:blipFill>
+          <a:blip r:embed="rId5"/>
+          <a:stretch>
+            <a:fillRect/>
+          </a:stretch>
+        </p:blipFill>
+        <p:spPr>
+          <a:xfrm>
+            <a:off x="6649085" y="5075944"/>
+            <a:ext cx="2313254" cy="1582266"/>
+          </a:xfrm>
+          <a:prstGeom prst="rect">
+            <a:avLst/>
+          </a:prstGeom>
+        </p:spPr>
+      </p:pic>
     </p:spTree>
     <p:extLst>
       <p:ext uri="{BB962C8B-B14F-4D97-AF65-F5344CB8AC3E}">
@@ -13281,9 +14795,7 @@
     <p:bg>
       <p:bgPr>
         <a:solidFill>
-          <a:schemeClr val="bg1">
-            <a:lumMod val="95000"/>
-          </a:schemeClr>
+          <a:schemeClr val="bg1"/>
         </a:solidFill>
         <a:effectLst/>
       </p:bgPr>
@@ -13302,94 +14814,243 @@
           <a:chExt cx="0" cy="0"/>
         </a:xfrm>
       </p:grpSpPr>
-      <p:sp>
-        <p:nvSpPr>
-          <p:cNvPr id="3" name="TextBox 2">
-            <a:extLst>
-              <a:ext uri="{FF2B5EF4-FFF2-40B4-BE49-F238E27FC236}">
-                <a16:creationId xmlns:a16="http://schemas.microsoft.com/office/drawing/2014/main" id="{0B3D4EE1-55C8-4F7A-BD0F-6D7FF96107F4}"/>
-              </a:ext>
-            </a:extLst>
-          </p:cNvPr>
-          <p:cNvSpPr txBox="1"/>
+      <p:grpSp>
+        <p:nvGrpSpPr>
+          <p:cNvPr id="11" name="그룹 10">
+            <a:extLst>
+              <a:ext uri="{FF2B5EF4-FFF2-40B4-BE49-F238E27FC236}">
+                <a16:creationId xmlns:a16="http://schemas.microsoft.com/office/drawing/2014/main" id="{5A09896B-D9AD-4C33-B426-439A6727C48E}"/>
+              </a:ext>
+            </a:extLst>
+          </p:cNvPr>
+          <p:cNvGrpSpPr/>
           <p:nvPr/>
-        </p:nvSpPr>
-        <p:spPr>
+        </p:nvGrpSpPr>
+        <p:grpSpPr>
           <a:xfrm>
-            <a:off x="315312" y="341301"/>
-            <a:ext cx="2722179" cy="461665"/>
+            <a:off x="1" y="-16542"/>
+            <a:ext cx="14512134" cy="870519"/>
+            <a:chOff x="1" y="-16542"/>
+            <a:chExt cx="14512134" cy="870519"/>
           </a:xfrm>
-          <a:prstGeom prst="rect">
-            <a:avLst/>
-          </a:prstGeom>
-          <a:noFill/>
-        </p:spPr>
-        <p:txBody>
-          <a:bodyPr wrap="square" rtlCol="0">
-            <a:spAutoFit/>
-          </a:bodyPr>
-          <a:lstStyle/>
-          <a:p>
-            <a:r>
-              <a:rPr lang="en-US" altLang="ko-KR" sz="2400" b="1" dirty="0">
-                <a:latin typeface="서울남산체 EB" panose="02020503020101020101" pitchFamily="18" charset="-127"/>
-                <a:ea typeface="서울남산체 EB" panose="02020503020101020101" pitchFamily="18" charset="-127"/>
-              </a:rPr>
-              <a:t>01. </a:t>
-            </a:r>
-            <a:r>
-              <a:rPr lang="ko-KR" altLang="en-US" sz="2400" b="1" dirty="0">
-                <a:latin typeface="서울남산체 EB" panose="02020503020101020101" pitchFamily="18" charset="-127"/>
-                <a:ea typeface="서울남산체 EB" panose="02020503020101020101" pitchFamily="18" charset="-127"/>
-              </a:rPr>
-              <a:t>연구배경</a:t>
-            </a:r>
-          </a:p>
-        </p:txBody>
-      </p:sp>
-      <p:cxnSp>
-        <p:nvCxnSpPr>
-          <p:cNvPr id="5" name="직선 연결선 4">
-            <a:extLst>
-              <a:ext uri="{FF2B5EF4-FFF2-40B4-BE49-F238E27FC236}">
-                <a16:creationId xmlns:a16="http://schemas.microsoft.com/office/drawing/2014/main" id="{B7542FE0-E912-42AF-99ED-A71C895DAE02}"/>
-              </a:ext>
-            </a:extLst>
-          </p:cNvPr>
-          <p:cNvCxnSpPr>
-            <a:cxnSpLocks/>
-          </p:cNvCxnSpPr>
-          <p:nvPr/>
-        </p:nvCxnSpPr>
-        <p:spPr>
-          <a:xfrm>
-            <a:off x="0" y="971132"/>
-            <a:ext cx="2312276" cy="0"/>
-          </a:xfrm>
-          <a:prstGeom prst="line">
-            <a:avLst/>
-          </a:prstGeom>
-          <a:ln>
-            <a:solidFill>
-              <a:srgbClr val="EEAC08"/>
-            </a:solidFill>
-          </a:ln>
-        </p:spPr>
-        <p:style>
-          <a:lnRef idx="3">
-            <a:schemeClr val="accent1"/>
-          </a:lnRef>
-          <a:fillRef idx="0">
-            <a:schemeClr val="accent1"/>
-          </a:fillRef>
-          <a:effectRef idx="2">
-            <a:schemeClr val="accent1"/>
-          </a:effectRef>
-          <a:fontRef idx="minor">
-            <a:schemeClr val="tx1"/>
-          </a:fontRef>
-        </p:style>
-      </p:cxnSp>
+        </p:grpSpPr>
+        <p:pic>
+          <p:nvPicPr>
+            <p:cNvPr id="13" name="그림 12">
+              <a:extLst>
+                <a:ext uri="{FF2B5EF4-FFF2-40B4-BE49-F238E27FC236}">
+                  <a16:creationId xmlns:a16="http://schemas.microsoft.com/office/drawing/2014/main" id="{DB082572-098C-4017-93DD-21CDE2334ACB}"/>
+                </a:ext>
+              </a:extLst>
+            </p:cNvPr>
+            <p:cNvPicPr>
+              <a:picLocks noChangeAspect="1"/>
+            </p:cNvPicPr>
+            <p:nvPr/>
+          </p:nvPicPr>
+          <p:blipFill>
+            <a:blip r:embed="rId2">
+              <a:extLst>
+                <a:ext uri="{28A0092B-C50C-407E-A947-70E740481C1C}">
+                  <a14:useLocalDpi xmlns:a14="http://schemas.microsoft.com/office/drawing/2010/main" val="0"/>
+                </a:ext>
+              </a:extLst>
+            </a:blip>
+            <a:stretch>
+              <a:fillRect/>
+            </a:stretch>
+          </p:blipFill>
+          <p:spPr>
+            <a:xfrm>
+              <a:off x="4837379" y="-6182"/>
+              <a:ext cx="4837378" cy="433429"/>
+            </a:xfrm>
+            <a:prstGeom prst="rect">
+              <a:avLst/>
+            </a:prstGeom>
+          </p:spPr>
+        </p:pic>
+        <p:pic>
+          <p:nvPicPr>
+            <p:cNvPr id="12" name="그림 11">
+              <a:extLst>
+                <a:ext uri="{FF2B5EF4-FFF2-40B4-BE49-F238E27FC236}">
+                  <a16:creationId xmlns:a16="http://schemas.microsoft.com/office/drawing/2014/main" id="{01B09105-4370-42C4-A0C9-1BD430C9F464}"/>
+                </a:ext>
+              </a:extLst>
+            </p:cNvPr>
+            <p:cNvPicPr>
+              <a:picLocks noChangeAspect="1"/>
+            </p:cNvPicPr>
+            <p:nvPr/>
+          </p:nvPicPr>
+          <p:blipFill>
+            <a:blip r:embed="rId2">
+              <a:extLst>
+                <a:ext uri="{28A0092B-C50C-407E-A947-70E740481C1C}">
+                  <a14:useLocalDpi xmlns:a14="http://schemas.microsoft.com/office/drawing/2010/main" val="0"/>
+                </a:ext>
+              </a:extLst>
+            </a:blip>
+            <a:stretch>
+              <a:fillRect/>
+            </a:stretch>
+          </p:blipFill>
+          <p:spPr>
+            <a:xfrm>
+              <a:off x="1" y="-6181"/>
+              <a:ext cx="4837378" cy="433429"/>
+            </a:xfrm>
+            <a:prstGeom prst="rect">
+              <a:avLst/>
+            </a:prstGeom>
+          </p:spPr>
+        </p:pic>
+        <p:pic>
+          <p:nvPicPr>
+            <p:cNvPr id="14" name="그림 13">
+              <a:extLst>
+                <a:ext uri="{FF2B5EF4-FFF2-40B4-BE49-F238E27FC236}">
+                  <a16:creationId xmlns:a16="http://schemas.microsoft.com/office/drawing/2014/main" id="{DABE5140-7FAE-4215-976D-2DF403AA6C13}"/>
+                </a:ext>
+              </a:extLst>
+            </p:cNvPr>
+            <p:cNvPicPr>
+              <a:picLocks noChangeAspect="1"/>
+            </p:cNvPicPr>
+            <p:nvPr/>
+          </p:nvPicPr>
+          <p:blipFill>
+            <a:blip r:embed="rId2">
+              <a:extLst>
+                <a:ext uri="{28A0092B-C50C-407E-A947-70E740481C1C}">
+                  <a14:useLocalDpi xmlns:a14="http://schemas.microsoft.com/office/drawing/2010/main" val="0"/>
+                </a:ext>
+              </a:extLst>
+            </a:blip>
+            <a:stretch>
+              <a:fillRect/>
+            </a:stretch>
+          </p:blipFill>
+          <p:spPr>
+            <a:xfrm>
+              <a:off x="9674757" y="-16542"/>
+              <a:ext cx="4837378" cy="433429"/>
+            </a:xfrm>
+            <a:prstGeom prst="rect">
+              <a:avLst/>
+            </a:prstGeom>
+          </p:spPr>
+        </p:pic>
+        <p:pic>
+          <p:nvPicPr>
+            <p:cNvPr id="15" name="그림 14">
+              <a:extLst>
+                <a:ext uri="{FF2B5EF4-FFF2-40B4-BE49-F238E27FC236}">
+                  <a16:creationId xmlns:a16="http://schemas.microsoft.com/office/drawing/2014/main" id="{230CC8A0-88E2-4C5F-9676-1AE438E3FECF}"/>
+                </a:ext>
+              </a:extLst>
+            </p:cNvPr>
+            <p:cNvPicPr>
+              <a:picLocks noChangeAspect="1"/>
+            </p:cNvPicPr>
+            <p:nvPr/>
+          </p:nvPicPr>
+          <p:blipFill>
+            <a:blip r:embed="rId2">
+              <a:extLst>
+                <a:ext uri="{28A0092B-C50C-407E-A947-70E740481C1C}">
+                  <a14:useLocalDpi xmlns:a14="http://schemas.microsoft.com/office/drawing/2010/main" val="0"/>
+                </a:ext>
+              </a:extLst>
+            </a:blip>
+            <a:stretch>
+              <a:fillRect/>
+            </a:stretch>
+          </p:blipFill>
+          <p:spPr>
+            <a:xfrm>
+              <a:off x="1" y="416887"/>
+              <a:ext cx="4837378" cy="433429"/>
+            </a:xfrm>
+            <a:prstGeom prst="rect">
+              <a:avLst/>
+            </a:prstGeom>
+          </p:spPr>
+        </p:pic>
+        <p:pic>
+          <p:nvPicPr>
+            <p:cNvPr id="16" name="그림 15">
+              <a:extLst>
+                <a:ext uri="{FF2B5EF4-FFF2-40B4-BE49-F238E27FC236}">
+                  <a16:creationId xmlns:a16="http://schemas.microsoft.com/office/drawing/2014/main" id="{030A2A0E-33B8-4DEC-9C83-9EA3B756F7FE}"/>
+                </a:ext>
+              </a:extLst>
+            </p:cNvPr>
+            <p:cNvPicPr>
+              <a:picLocks noChangeAspect="1"/>
+            </p:cNvPicPr>
+            <p:nvPr/>
+          </p:nvPicPr>
+          <p:blipFill>
+            <a:blip r:embed="rId2">
+              <a:extLst>
+                <a:ext uri="{28A0092B-C50C-407E-A947-70E740481C1C}">
+                  <a14:useLocalDpi xmlns:a14="http://schemas.microsoft.com/office/drawing/2010/main" val="0"/>
+                </a:ext>
+              </a:extLst>
+            </a:blip>
+            <a:stretch>
+              <a:fillRect/>
+            </a:stretch>
+          </p:blipFill>
+          <p:spPr>
+            <a:xfrm>
+              <a:off x="4837379" y="418136"/>
+              <a:ext cx="4837378" cy="433429"/>
+            </a:xfrm>
+            <a:prstGeom prst="rect">
+              <a:avLst/>
+            </a:prstGeom>
+          </p:spPr>
+        </p:pic>
+        <p:pic>
+          <p:nvPicPr>
+            <p:cNvPr id="17" name="그림 16">
+              <a:extLst>
+                <a:ext uri="{FF2B5EF4-FFF2-40B4-BE49-F238E27FC236}">
+                  <a16:creationId xmlns:a16="http://schemas.microsoft.com/office/drawing/2014/main" id="{63067318-7A18-419F-8C00-6885A39BDEA2}"/>
+                </a:ext>
+              </a:extLst>
+            </p:cNvPr>
+            <p:cNvPicPr>
+              <a:picLocks noChangeAspect="1"/>
+            </p:cNvPicPr>
+            <p:nvPr/>
+          </p:nvPicPr>
+          <p:blipFill>
+            <a:blip r:embed="rId2">
+              <a:extLst>
+                <a:ext uri="{28A0092B-C50C-407E-A947-70E740481C1C}">
+                  <a14:useLocalDpi xmlns:a14="http://schemas.microsoft.com/office/drawing/2010/main" val="0"/>
+                </a:ext>
+              </a:extLst>
+            </a:blip>
+            <a:stretch>
+              <a:fillRect/>
+            </a:stretch>
+          </p:blipFill>
+          <p:spPr>
+            <a:xfrm>
+              <a:off x="9674757" y="420548"/>
+              <a:ext cx="4837378" cy="433429"/>
+            </a:xfrm>
+            <a:prstGeom prst="rect">
+              <a:avLst/>
+            </a:prstGeom>
+          </p:spPr>
+        </p:pic>
+      </p:grpSp>
       <p:sp>
         <p:nvSpPr>
           <p:cNvPr id="10" name="사각형: 둥근 모서리 9">
@@ -13404,8 +15065,8 @@
         </p:nvSpPr>
         <p:spPr>
           <a:xfrm>
-            <a:off x="829665" y="5282250"/>
-            <a:ext cx="7996702" cy="662152"/>
+            <a:off x="743037" y="5619378"/>
+            <a:ext cx="6968403" cy="662152"/>
           </a:xfrm>
           <a:prstGeom prst="roundRect">
             <a:avLst/>
@@ -13450,7 +15111,7 @@
                 <a:latin typeface="서울남산체 B" panose="02020503020101020101" pitchFamily="18" charset="-127"/>
                 <a:ea typeface="서울남산체 B" panose="02020503020101020101" pitchFamily="18" charset="-127"/>
               </a:rPr>
-              <a:t>인당 평균 지출액 규모 </a:t>
+              <a:t>인당 평균 지출액 </a:t>
             </a:r>
             <a:r>
               <a:rPr lang="en-US" altLang="ko-KR" dirty="0">
@@ -13478,7 +15139,7 @@
                 <a:latin typeface="서울남산체 B" panose="02020503020101020101" pitchFamily="18" charset="-127"/>
                 <a:ea typeface="서울남산체 B" panose="02020503020101020101" pitchFamily="18" charset="-127"/>
               </a:rPr>
-              <a:t>인당 평균 지출액 규모</a:t>
+              <a:t>인당 평균 지출액</a:t>
             </a:r>
             <a:endParaRPr lang="en-US" altLang="ko-KR" dirty="0">
               <a:latin typeface="서울남산체 B" panose="02020503020101020101" pitchFamily="18" charset="-127"/>
@@ -13502,18 +15163,18 @@
           <p:nvPr>
             <p:extLst>
               <p:ext uri="{D42A27DB-BD31-4B8C-83A1-F6EECF244321}">
-                <p14:modId xmlns:p14="http://schemas.microsoft.com/office/powerpoint/2010/main" val="42287156"/>
+                <p14:modId xmlns:p14="http://schemas.microsoft.com/office/powerpoint/2010/main" val="3798280309"/>
               </p:ext>
             </p:extLst>
           </p:nvPr>
         </p:nvGraphicFramePr>
         <p:xfrm>
           <a:off x="743037" y="1575750"/>
-          <a:ext cx="5114709" cy="3439011"/>
+          <a:ext cx="5464718" cy="3875460"/>
         </p:xfrm>
         <a:graphic>
           <a:graphicData uri="http://schemas.openxmlformats.org/drawingml/2006/chart">
-            <c:chart xmlns:c="http://schemas.openxmlformats.org/drawingml/2006/chart" xmlns:r="http://schemas.openxmlformats.org/officeDocument/2006/relationships" r:id="rId2"/>
+            <c:chart xmlns:c="http://schemas.openxmlformats.org/drawingml/2006/chart" xmlns:r="http://schemas.openxmlformats.org/officeDocument/2006/relationships" r:id="rId3"/>
           </a:graphicData>
         </a:graphic>
       </p:graphicFrame>
@@ -13818,6 +15479,51 @@
           </a:fontRef>
         </p:style>
       </p:cxnSp>
+      <p:sp>
+        <p:nvSpPr>
+          <p:cNvPr id="4" name="TextBox 3">
+            <a:extLst>
+              <a:ext uri="{FF2B5EF4-FFF2-40B4-BE49-F238E27FC236}">
+                <a16:creationId xmlns:a16="http://schemas.microsoft.com/office/drawing/2014/main" id="{5DD5684A-4E9D-4188-85BF-AE5E3819DA53}"/>
+              </a:ext>
+            </a:extLst>
+          </p:cNvPr>
+          <p:cNvSpPr txBox="1"/>
+          <p:nvPr/>
+        </p:nvSpPr>
+        <p:spPr>
+          <a:xfrm>
+            <a:off x="286051" y="236757"/>
+            <a:ext cx="4551328" cy="461665"/>
+          </a:xfrm>
+          <a:prstGeom prst="rect">
+            <a:avLst/>
+          </a:prstGeom>
+          <a:noFill/>
+        </p:spPr>
+        <p:txBody>
+          <a:bodyPr wrap="square" rtlCol="0">
+            <a:spAutoFit/>
+          </a:bodyPr>
+          <a:lstStyle/>
+          <a:p>
+            <a:r>
+              <a:rPr lang="en-US" altLang="ko-KR" sz="2400" b="1" dirty="0">
+                <a:latin typeface="서울남산체 EB" panose="02020503020101020101" pitchFamily="18" charset="-127"/>
+                <a:ea typeface="서울남산체 EB" panose="02020503020101020101" pitchFamily="18" charset="-127"/>
+              </a:rPr>
+              <a:t>01. </a:t>
+            </a:r>
+            <a:r>
+              <a:rPr lang="ko-KR" altLang="en-US" sz="2400" b="1" dirty="0">
+                <a:latin typeface="서울남산체 EB" panose="02020503020101020101" pitchFamily="18" charset="-127"/>
+                <a:ea typeface="서울남산체 EB" panose="02020503020101020101" pitchFamily="18" charset="-127"/>
+              </a:rPr>
+              <a:t>연구배경</a:t>
+            </a:r>
+          </a:p>
+        </p:txBody>
+      </p:sp>
     </p:spTree>
     <p:extLst>
       <p:ext uri="{BB962C8B-B14F-4D97-AF65-F5344CB8AC3E}">
@@ -13832,6 +15538,1231 @@
 </file>
 
 <file path=ppt/slides/slide7.xml><?xml version="1.0" encoding="utf-8"?>
+<p:sld xmlns:a="http://schemas.openxmlformats.org/drawingml/2006/main" xmlns:r="http://schemas.openxmlformats.org/officeDocument/2006/relationships" xmlns:p="http://schemas.openxmlformats.org/presentationml/2006/main" showMasterSp="0">
+  <p:cSld>
+    <p:spTree>
+      <p:nvGrpSpPr>
+        <p:cNvPr id="1" name=""/>
+        <p:cNvGrpSpPr/>
+        <p:nvPr/>
+      </p:nvGrpSpPr>
+      <p:grpSpPr>
+        <a:xfrm>
+          <a:off x="0" y="0"/>
+          <a:ext cx="0" cy="0"/>
+          <a:chOff x="0" y="0"/>
+          <a:chExt cx="0" cy="0"/>
+        </a:xfrm>
+      </p:grpSpPr>
+      <p:pic>
+        <p:nvPicPr>
+          <p:cNvPr id="7" name="그림 6">
+            <a:extLst>
+              <a:ext uri="{FF2B5EF4-FFF2-40B4-BE49-F238E27FC236}">
+                <a16:creationId xmlns:a16="http://schemas.microsoft.com/office/drawing/2014/main" id="{A8CF2290-E4EF-4084-8F54-B1E0E0A61CA4}"/>
+              </a:ext>
+            </a:extLst>
+          </p:cNvPr>
+          <p:cNvPicPr>
+            <a:picLocks noChangeAspect="1"/>
+          </p:cNvPicPr>
+          <p:nvPr/>
+        </p:nvPicPr>
+        <p:blipFill>
+          <a:blip r:embed="rId2"/>
+          <a:stretch>
+            <a:fillRect/>
+          </a:stretch>
+        </p:blipFill>
+        <p:spPr>
+          <a:xfrm>
+            <a:off x="805356" y="1572080"/>
+            <a:ext cx="2409825" cy="2409825"/>
+          </a:xfrm>
+          <a:prstGeom prst="rect">
+            <a:avLst/>
+          </a:prstGeom>
+        </p:spPr>
+      </p:pic>
+      <p:grpSp>
+        <p:nvGrpSpPr>
+          <p:cNvPr id="10" name="그룹 9">
+            <a:extLst>
+              <a:ext uri="{FF2B5EF4-FFF2-40B4-BE49-F238E27FC236}">
+                <a16:creationId xmlns:a16="http://schemas.microsoft.com/office/drawing/2014/main" id="{BDDC12B7-2293-4465-9A80-811AB739417A}"/>
+              </a:ext>
+            </a:extLst>
+          </p:cNvPr>
+          <p:cNvGrpSpPr/>
+          <p:nvPr/>
+        </p:nvGrpSpPr>
+        <p:grpSpPr>
+          <a:xfrm>
+            <a:off x="1" y="-16542"/>
+            <a:ext cx="14512134" cy="870519"/>
+            <a:chOff x="1" y="-16542"/>
+            <a:chExt cx="14512134" cy="870519"/>
+          </a:xfrm>
+        </p:grpSpPr>
+        <p:pic>
+          <p:nvPicPr>
+            <p:cNvPr id="11" name="그림 10">
+              <a:extLst>
+                <a:ext uri="{FF2B5EF4-FFF2-40B4-BE49-F238E27FC236}">
+                  <a16:creationId xmlns:a16="http://schemas.microsoft.com/office/drawing/2014/main" id="{BC7A1B08-A909-4CF2-B9C4-E0E656533B67}"/>
+                </a:ext>
+              </a:extLst>
+            </p:cNvPr>
+            <p:cNvPicPr>
+              <a:picLocks noChangeAspect="1"/>
+            </p:cNvPicPr>
+            <p:nvPr/>
+          </p:nvPicPr>
+          <p:blipFill>
+            <a:blip r:embed="rId3">
+              <a:extLst>
+                <a:ext uri="{28A0092B-C50C-407E-A947-70E740481C1C}">
+                  <a14:useLocalDpi xmlns:a14="http://schemas.microsoft.com/office/drawing/2010/main" val="0"/>
+                </a:ext>
+              </a:extLst>
+            </a:blip>
+            <a:stretch>
+              <a:fillRect/>
+            </a:stretch>
+          </p:blipFill>
+          <p:spPr>
+            <a:xfrm>
+              <a:off x="1" y="-6181"/>
+              <a:ext cx="4837378" cy="433429"/>
+            </a:xfrm>
+            <a:prstGeom prst="rect">
+              <a:avLst/>
+            </a:prstGeom>
+          </p:spPr>
+        </p:pic>
+        <p:pic>
+          <p:nvPicPr>
+            <p:cNvPr id="12" name="그림 11">
+              <a:extLst>
+                <a:ext uri="{FF2B5EF4-FFF2-40B4-BE49-F238E27FC236}">
+                  <a16:creationId xmlns:a16="http://schemas.microsoft.com/office/drawing/2014/main" id="{41814924-F3CE-44B3-B4FD-2EC92D1E7C33}"/>
+                </a:ext>
+              </a:extLst>
+            </p:cNvPr>
+            <p:cNvPicPr>
+              <a:picLocks noChangeAspect="1"/>
+            </p:cNvPicPr>
+            <p:nvPr/>
+          </p:nvPicPr>
+          <p:blipFill>
+            <a:blip r:embed="rId3">
+              <a:extLst>
+                <a:ext uri="{28A0092B-C50C-407E-A947-70E740481C1C}">
+                  <a14:useLocalDpi xmlns:a14="http://schemas.microsoft.com/office/drawing/2010/main" val="0"/>
+                </a:ext>
+              </a:extLst>
+            </a:blip>
+            <a:stretch>
+              <a:fillRect/>
+            </a:stretch>
+          </p:blipFill>
+          <p:spPr>
+            <a:xfrm>
+              <a:off x="4837379" y="-6182"/>
+              <a:ext cx="4837378" cy="433429"/>
+            </a:xfrm>
+            <a:prstGeom prst="rect">
+              <a:avLst/>
+            </a:prstGeom>
+          </p:spPr>
+        </p:pic>
+        <p:pic>
+          <p:nvPicPr>
+            <p:cNvPr id="14" name="그림 13">
+              <a:extLst>
+                <a:ext uri="{FF2B5EF4-FFF2-40B4-BE49-F238E27FC236}">
+                  <a16:creationId xmlns:a16="http://schemas.microsoft.com/office/drawing/2014/main" id="{5029C520-A684-40B3-B50C-1999AB952902}"/>
+                </a:ext>
+              </a:extLst>
+            </p:cNvPr>
+            <p:cNvPicPr>
+              <a:picLocks noChangeAspect="1"/>
+            </p:cNvPicPr>
+            <p:nvPr/>
+          </p:nvPicPr>
+          <p:blipFill>
+            <a:blip r:embed="rId3">
+              <a:extLst>
+                <a:ext uri="{28A0092B-C50C-407E-A947-70E740481C1C}">
+                  <a14:useLocalDpi xmlns:a14="http://schemas.microsoft.com/office/drawing/2010/main" val="0"/>
+                </a:ext>
+              </a:extLst>
+            </a:blip>
+            <a:stretch>
+              <a:fillRect/>
+            </a:stretch>
+          </p:blipFill>
+          <p:spPr>
+            <a:xfrm>
+              <a:off x="9674757" y="-16542"/>
+              <a:ext cx="4837378" cy="433429"/>
+            </a:xfrm>
+            <a:prstGeom prst="rect">
+              <a:avLst/>
+            </a:prstGeom>
+          </p:spPr>
+        </p:pic>
+        <p:pic>
+          <p:nvPicPr>
+            <p:cNvPr id="15" name="그림 14">
+              <a:extLst>
+                <a:ext uri="{FF2B5EF4-FFF2-40B4-BE49-F238E27FC236}">
+                  <a16:creationId xmlns:a16="http://schemas.microsoft.com/office/drawing/2014/main" id="{D6EC80B7-25F0-499F-A61B-78A2BE8BC314}"/>
+                </a:ext>
+              </a:extLst>
+            </p:cNvPr>
+            <p:cNvPicPr>
+              <a:picLocks noChangeAspect="1"/>
+            </p:cNvPicPr>
+            <p:nvPr/>
+          </p:nvPicPr>
+          <p:blipFill>
+            <a:blip r:embed="rId3">
+              <a:extLst>
+                <a:ext uri="{28A0092B-C50C-407E-A947-70E740481C1C}">
+                  <a14:useLocalDpi xmlns:a14="http://schemas.microsoft.com/office/drawing/2010/main" val="0"/>
+                </a:ext>
+              </a:extLst>
+            </a:blip>
+            <a:stretch>
+              <a:fillRect/>
+            </a:stretch>
+          </p:blipFill>
+          <p:spPr>
+            <a:xfrm>
+              <a:off x="1" y="416887"/>
+              <a:ext cx="4837378" cy="433429"/>
+            </a:xfrm>
+            <a:prstGeom prst="rect">
+              <a:avLst/>
+            </a:prstGeom>
+          </p:spPr>
+        </p:pic>
+        <p:pic>
+          <p:nvPicPr>
+            <p:cNvPr id="16" name="그림 15">
+              <a:extLst>
+                <a:ext uri="{FF2B5EF4-FFF2-40B4-BE49-F238E27FC236}">
+                  <a16:creationId xmlns:a16="http://schemas.microsoft.com/office/drawing/2014/main" id="{A221FDC5-0F30-49D9-A663-78440C704B07}"/>
+                </a:ext>
+              </a:extLst>
+            </p:cNvPr>
+            <p:cNvPicPr>
+              <a:picLocks noChangeAspect="1"/>
+            </p:cNvPicPr>
+            <p:nvPr/>
+          </p:nvPicPr>
+          <p:blipFill>
+            <a:blip r:embed="rId3">
+              <a:extLst>
+                <a:ext uri="{28A0092B-C50C-407E-A947-70E740481C1C}">
+                  <a14:useLocalDpi xmlns:a14="http://schemas.microsoft.com/office/drawing/2010/main" val="0"/>
+                </a:ext>
+              </a:extLst>
+            </a:blip>
+            <a:stretch>
+              <a:fillRect/>
+            </a:stretch>
+          </p:blipFill>
+          <p:spPr>
+            <a:xfrm>
+              <a:off x="4837379" y="418136"/>
+              <a:ext cx="4837378" cy="433429"/>
+            </a:xfrm>
+            <a:prstGeom prst="rect">
+              <a:avLst/>
+            </a:prstGeom>
+          </p:spPr>
+        </p:pic>
+        <p:pic>
+          <p:nvPicPr>
+            <p:cNvPr id="17" name="그림 16">
+              <a:extLst>
+                <a:ext uri="{FF2B5EF4-FFF2-40B4-BE49-F238E27FC236}">
+                  <a16:creationId xmlns:a16="http://schemas.microsoft.com/office/drawing/2014/main" id="{2C5673B7-C4D3-4054-8CBA-661E4909BD32}"/>
+                </a:ext>
+              </a:extLst>
+            </p:cNvPr>
+            <p:cNvPicPr>
+              <a:picLocks noChangeAspect="1"/>
+            </p:cNvPicPr>
+            <p:nvPr/>
+          </p:nvPicPr>
+          <p:blipFill>
+            <a:blip r:embed="rId3">
+              <a:extLst>
+                <a:ext uri="{28A0092B-C50C-407E-A947-70E740481C1C}">
+                  <a14:useLocalDpi xmlns:a14="http://schemas.microsoft.com/office/drawing/2010/main" val="0"/>
+                </a:ext>
+              </a:extLst>
+            </a:blip>
+            <a:stretch>
+              <a:fillRect/>
+            </a:stretch>
+          </p:blipFill>
+          <p:spPr>
+            <a:xfrm>
+              <a:off x="9674757" y="420548"/>
+              <a:ext cx="4837378" cy="433429"/>
+            </a:xfrm>
+            <a:prstGeom prst="rect">
+              <a:avLst/>
+            </a:prstGeom>
+          </p:spPr>
+        </p:pic>
+      </p:grpSp>
+      <p:sp>
+        <p:nvSpPr>
+          <p:cNvPr id="2" name="TextBox 1">
+            <a:extLst>
+              <a:ext uri="{FF2B5EF4-FFF2-40B4-BE49-F238E27FC236}">
+                <a16:creationId xmlns:a16="http://schemas.microsoft.com/office/drawing/2014/main" id="{C482CDA8-E98D-48A4-AD68-DEFF98A473BA}"/>
+              </a:ext>
+            </a:extLst>
+          </p:cNvPr>
+          <p:cNvSpPr txBox="1"/>
+          <p:nvPr/>
+        </p:nvSpPr>
+        <p:spPr>
+          <a:xfrm>
+            <a:off x="286051" y="236757"/>
+            <a:ext cx="4551328" cy="461665"/>
+          </a:xfrm>
+          <a:prstGeom prst="rect">
+            <a:avLst/>
+          </a:prstGeom>
+          <a:noFill/>
+        </p:spPr>
+        <p:txBody>
+          <a:bodyPr wrap="square" rtlCol="0">
+            <a:spAutoFit/>
+          </a:bodyPr>
+          <a:lstStyle/>
+          <a:p>
+            <a:r>
+              <a:rPr lang="en-US" altLang="ko-KR" sz="2400" b="1" dirty="0">
+                <a:latin typeface="서울남산체 EB" panose="02020503020101020101" pitchFamily="18" charset="-127"/>
+                <a:ea typeface="서울남산체 EB" panose="02020503020101020101" pitchFamily="18" charset="-127"/>
+              </a:rPr>
+              <a:t>01. </a:t>
+            </a:r>
+            <a:r>
+              <a:rPr lang="ko-KR" altLang="en-US" sz="2400" b="1" dirty="0">
+                <a:latin typeface="서울남산체 EB" panose="02020503020101020101" pitchFamily="18" charset="-127"/>
+                <a:ea typeface="서울남산체 EB" panose="02020503020101020101" pitchFamily="18" charset="-127"/>
+              </a:rPr>
+              <a:t>데이터 시각화</a:t>
+            </a:r>
+          </a:p>
+        </p:txBody>
+      </p:sp>
+      <p:sp>
+        <p:nvSpPr>
+          <p:cNvPr id="6" name="사각형: 둥근 모서리 5">
+            <a:extLst>
+              <a:ext uri="{FF2B5EF4-FFF2-40B4-BE49-F238E27FC236}">
+                <a16:creationId xmlns:a16="http://schemas.microsoft.com/office/drawing/2014/main" id="{6167CD4B-5BDB-4B83-A053-B7F760DFB90C}"/>
+              </a:ext>
+            </a:extLst>
+          </p:cNvPr>
+          <p:cNvSpPr/>
+          <p:nvPr/>
+        </p:nvSpPr>
+        <p:spPr>
+          <a:xfrm>
+            <a:off x="486110" y="1023197"/>
+            <a:ext cx="3865159" cy="612887"/>
+          </a:xfrm>
+          <a:prstGeom prst="roundRect">
+            <a:avLst/>
+          </a:prstGeom>
+        </p:spPr>
+        <p:style>
+          <a:lnRef idx="2">
+            <a:schemeClr val="accent1">
+              <a:shade val="50000"/>
+            </a:schemeClr>
+          </a:lnRef>
+          <a:fillRef idx="1">
+            <a:schemeClr val="accent1"/>
+          </a:fillRef>
+          <a:effectRef idx="0">
+            <a:schemeClr val="accent1"/>
+          </a:effectRef>
+          <a:fontRef idx="minor">
+            <a:schemeClr val="lt1"/>
+          </a:fontRef>
+        </p:style>
+        <p:txBody>
+          <a:bodyPr rtlCol="0" anchor="ctr"/>
+          <a:lstStyle/>
+          <a:p>
+            <a:pPr algn="ctr"/>
+            <a:r>
+              <a:rPr lang="ko-KR" altLang="en-US" dirty="0">
+                <a:latin typeface="서울남산체 B" panose="02020503020101020101" pitchFamily="18" charset="-127"/>
+                <a:ea typeface="서울남산체 B" panose="02020503020101020101" pitchFamily="18" charset="-127"/>
+              </a:rPr>
+              <a:t>서울시 무슬림 친화 식당이란</a:t>
+            </a:r>
+            <a:r>
+              <a:rPr lang="en-US" altLang="ko-KR" dirty="0">
+                <a:latin typeface="서울남산체 B" panose="02020503020101020101" pitchFamily="18" charset="-127"/>
+                <a:ea typeface="서울남산체 B" panose="02020503020101020101" pitchFamily="18" charset="-127"/>
+              </a:rPr>
+              <a:t>?</a:t>
+            </a:r>
+          </a:p>
+        </p:txBody>
+      </p:sp>
+      <p:pic>
+        <p:nvPicPr>
+          <p:cNvPr id="9" name="그림 8">
+            <a:extLst>
+              <a:ext uri="{FF2B5EF4-FFF2-40B4-BE49-F238E27FC236}">
+                <a16:creationId xmlns:a16="http://schemas.microsoft.com/office/drawing/2014/main" id="{94DD7C62-167E-4732-BE9F-14C2D1F3BB0F}"/>
+              </a:ext>
+            </a:extLst>
+          </p:cNvPr>
+          <p:cNvPicPr>
+            <a:picLocks noChangeAspect="1"/>
+          </p:cNvPicPr>
+          <p:nvPr/>
+        </p:nvPicPr>
+        <p:blipFill>
+          <a:blip r:embed="rId4"/>
+          <a:stretch>
+            <a:fillRect/>
+          </a:stretch>
+        </p:blipFill>
+        <p:spPr>
+          <a:xfrm>
+            <a:off x="757731" y="4081007"/>
+            <a:ext cx="2457450" cy="2343150"/>
+          </a:xfrm>
+          <a:prstGeom prst="rect">
+            <a:avLst/>
+          </a:prstGeom>
+        </p:spPr>
+      </p:pic>
+      <p:pic>
+        <p:nvPicPr>
+          <p:cNvPr id="18" name="그림 17">
+            <a:extLst>
+              <a:ext uri="{FF2B5EF4-FFF2-40B4-BE49-F238E27FC236}">
+                <a16:creationId xmlns:a16="http://schemas.microsoft.com/office/drawing/2014/main" id="{CD2FD733-5042-45E9-868E-8AB9FA444010}"/>
+              </a:ext>
+            </a:extLst>
+          </p:cNvPr>
+          <p:cNvPicPr>
+            <a:picLocks noChangeAspect="1"/>
+          </p:cNvPicPr>
+          <p:nvPr/>
+        </p:nvPicPr>
+        <p:blipFill>
+          <a:blip r:embed="rId5"/>
+          <a:stretch>
+            <a:fillRect/>
+          </a:stretch>
+        </p:blipFill>
+        <p:spPr>
+          <a:xfrm>
+            <a:off x="6132513" y="1572080"/>
+            <a:ext cx="2381250" cy="2247900"/>
+          </a:xfrm>
+          <a:prstGeom prst="rect">
+            <a:avLst/>
+          </a:prstGeom>
+        </p:spPr>
+      </p:pic>
+      <p:pic>
+        <p:nvPicPr>
+          <p:cNvPr id="20" name="그림 19">
+            <a:extLst>
+              <a:ext uri="{FF2B5EF4-FFF2-40B4-BE49-F238E27FC236}">
+                <a16:creationId xmlns:a16="http://schemas.microsoft.com/office/drawing/2014/main" id="{FECB7B88-3B2A-46C6-B77C-57347F563365}"/>
+              </a:ext>
+            </a:extLst>
+          </p:cNvPr>
+          <p:cNvPicPr>
+            <a:picLocks noChangeAspect="1"/>
+          </p:cNvPicPr>
+          <p:nvPr/>
+        </p:nvPicPr>
+        <p:blipFill>
+          <a:blip r:embed="rId6"/>
+          <a:stretch>
+            <a:fillRect/>
+          </a:stretch>
+        </p:blipFill>
+        <p:spPr>
+          <a:xfrm>
+            <a:off x="6170613" y="4081007"/>
+            <a:ext cx="2343150" cy="2343150"/>
+          </a:xfrm>
+          <a:prstGeom prst="rect">
+            <a:avLst/>
+          </a:prstGeom>
+        </p:spPr>
+      </p:pic>
+      <p:grpSp>
+        <p:nvGrpSpPr>
+          <p:cNvPr id="33" name="그룹 32">
+            <a:extLst>
+              <a:ext uri="{FF2B5EF4-FFF2-40B4-BE49-F238E27FC236}">
+                <a16:creationId xmlns:a16="http://schemas.microsoft.com/office/drawing/2014/main" id="{101226E2-7BD4-470A-8F43-8B8A19FA63ED}"/>
+              </a:ext>
+            </a:extLst>
+          </p:cNvPr>
+          <p:cNvGrpSpPr/>
+          <p:nvPr/>
+        </p:nvGrpSpPr>
+        <p:grpSpPr>
+          <a:xfrm>
+            <a:off x="8649755" y="2020080"/>
+            <a:ext cx="2736890" cy="1256208"/>
+            <a:chOff x="3268687" y="1896627"/>
+            <a:chExt cx="2624254" cy="1256208"/>
+          </a:xfrm>
+        </p:grpSpPr>
+        <p:cxnSp>
+          <p:nvCxnSpPr>
+            <p:cNvPr id="28" name="직선 연결선 27">
+              <a:extLst>
+                <a:ext uri="{FF2B5EF4-FFF2-40B4-BE49-F238E27FC236}">
+                  <a16:creationId xmlns:a16="http://schemas.microsoft.com/office/drawing/2014/main" id="{1A5DD085-C1A2-4983-9721-2806BBB1D1F0}"/>
+                </a:ext>
+              </a:extLst>
+            </p:cNvPr>
+            <p:cNvCxnSpPr>
+              <a:cxnSpLocks/>
+            </p:cNvCxnSpPr>
+            <p:nvPr/>
+          </p:nvCxnSpPr>
+          <p:spPr>
+            <a:xfrm>
+              <a:off x="3322193" y="2265959"/>
+              <a:ext cx="2517242" cy="0"/>
+            </a:xfrm>
+            <a:prstGeom prst="line">
+              <a:avLst/>
+            </a:prstGeom>
+            <a:ln w="57150">
+              <a:solidFill>
+                <a:schemeClr val="tx1"/>
+              </a:solidFill>
+            </a:ln>
+          </p:spPr>
+          <p:style>
+            <a:lnRef idx="1">
+              <a:schemeClr val="accent1"/>
+            </a:lnRef>
+            <a:fillRef idx="0">
+              <a:schemeClr val="accent1"/>
+            </a:fillRef>
+            <a:effectRef idx="0">
+              <a:schemeClr val="accent1"/>
+            </a:effectRef>
+            <a:fontRef idx="minor">
+              <a:schemeClr val="tx1"/>
+            </a:fontRef>
+          </p:style>
+        </p:cxnSp>
+        <p:sp>
+          <p:nvSpPr>
+            <p:cNvPr id="30" name="TextBox 29">
+              <a:extLst>
+                <a:ext uri="{FF2B5EF4-FFF2-40B4-BE49-F238E27FC236}">
+                  <a16:creationId xmlns:a16="http://schemas.microsoft.com/office/drawing/2014/main" id="{9004B40E-E9CF-47AD-8BD5-E708F8345944}"/>
+                </a:ext>
+              </a:extLst>
+            </p:cNvPr>
+            <p:cNvSpPr txBox="1"/>
+            <p:nvPr/>
+          </p:nvSpPr>
+          <p:spPr>
+            <a:xfrm>
+              <a:off x="3268687" y="1896627"/>
+              <a:ext cx="2624254" cy="369332"/>
+            </a:xfrm>
+            <a:prstGeom prst="rect">
+              <a:avLst/>
+            </a:prstGeom>
+            <a:noFill/>
+          </p:spPr>
+          <p:txBody>
+            <a:bodyPr wrap="square" rtlCol="0">
+              <a:spAutoFit/>
+            </a:bodyPr>
+            <a:lstStyle/>
+            <a:p>
+              <a:r>
+                <a:rPr lang="ko-KR" altLang="en-US" dirty="0">
+                  <a:latin typeface="서울남산체 B" panose="02020503020101020101" pitchFamily="18" charset="-127"/>
+                  <a:ea typeface="서울남산체 B" panose="02020503020101020101" pitchFamily="18" charset="-127"/>
+                </a:rPr>
+                <a:t>무슬림 </a:t>
+              </a:r>
+              <a:r>
+                <a:rPr lang="ko-KR" altLang="en-US" dirty="0" err="1">
+                  <a:latin typeface="서울남산체 B" panose="02020503020101020101" pitchFamily="18" charset="-127"/>
+                  <a:ea typeface="서울남산체 B" panose="02020503020101020101" pitchFamily="18" charset="-127"/>
+                </a:rPr>
+                <a:t>프렌들리</a:t>
+              </a:r>
+              <a:endParaRPr lang="ko-KR" altLang="en-US" dirty="0">
+                <a:latin typeface="서울남산체 B" panose="02020503020101020101" pitchFamily="18" charset="-127"/>
+                <a:ea typeface="서울남산체 B" panose="02020503020101020101" pitchFamily="18" charset="-127"/>
+              </a:endParaRPr>
+            </a:p>
+          </p:txBody>
+        </p:sp>
+        <p:sp>
+          <p:nvSpPr>
+            <p:cNvPr id="32" name="TextBox 31">
+              <a:extLst>
+                <a:ext uri="{FF2B5EF4-FFF2-40B4-BE49-F238E27FC236}">
+                  <a16:creationId xmlns:a16="http://schemas.microsoft.com/office/drawing/2014/main" id="{2A08B2C3-0663-4074-A3F3-5496D824FA81}"/>
+                </a:ext>
+              </a:extLst>
+            </p:cNvPr>
+            <p:cNvSpPr txBox="1"/>
+            <p:nvPr/>
+          </p:nvSpPr>
+          <p:spPr>
+            <a:xfrm>
+              <a:off x="3268687" y="2321838"/>
+              <a:ext cx="2624254" cy="830997"/>
+            </a:xfrm>
+            <a:prstGeom prst="rect">
+              <a:avLst/>
+            </a:prstGeom>
+            <a:noFill/>
+          </p:spPr>
+          <p:txBody>
+            <a:bodyPr wrap="square" rtlCol="0">
+              <a:spAutoFit/>
+            </a:bodyPr>
+            <a:lstStyle/>
+            <a:p>
+              <a:r>
+                <a:rPr lang="ko-KR" altLang="en-US" sz="1600" dirty="0">
+                  <a:latin typeface="서울남산체 B" panose="02020503020101020101" pitchFamily="18" charset="-127"/>
+                  <a:ea typeface="서울남산체 B" panose="02020503020101020101" pitchFamily="18" charset="-127"/>
+                </a:rPr>
+                <a:t>술을 판매할 수 있으며</a:t>
+              </a:r>
+              <a:endParaRPr lang="en-US" altLang="ko-KR" sz="1600" dirty="0">
+                <a:latin typeface="서울남산체 B" panose="02020503020101020101" pitchFamily="18" charset="-127"/>
+                <a:ea typeface="서울남산체 B" panose="02020503020101020101" pitchFamily="18" charset="-127"/>
+              </a:endParaRPr>
+            </a:p>
+            <a:p>
+              <a:r>
+                <a:rPr lang="ko-KR" altLang="en-US" sz="1600" dirty="0" err="1">
+                  <a:latin typeface="서울남산체 B" panose="02020503020101020101" pitchFamily="18" charset="-127"/>
+                  <a:ea typeface="서울남산체 B" panose="02020503020101020101" pitchFamily="18" charset="-127"/>
+                </a:rPr>
+                <a:t>할랄</a:t>
+              </a:r>
+              <a:r>
+                <a:rPr lang="ko-KR" altLang="en-US" sz="1600" dirty="0">
+                  <a:latin typeface="서울남산체 B" panose="02020503020101020101" pitchFamily="18" charset="-127"/>
+                  <a:ea typeface="서울남산체 B" panose="02020503020101020101" pitchFamily="18" charset="-127"/>
+                </a:rPr>
+                <a:t> 메뉴 일부 혹은 전체 제공</a:t>
+              </a:r>
+            </a:p>
+          </p:txBody>
+        </p:sp>
+      </p:grpSp>
+      <p:grpSp>
+        <p:nvGrpSpPr>
+          <p:cNvPr id="34" name="그룹 33">
+            <a:extLst>
+              <a:ext uri="{FF2B5EF4-FFF2-40B4-BE49-F238E27FC236}">
+                <a16:creationId xmlns:a16="http://schemas.microsoft.com/office/drawing/2014/main" id="{11AE4D6C-60DF-4957-8622-34360DB4093F}"/>
+              </a:ext>
+            </a:extLst>
+          </p:cNvPr>
+          <p:cNvGrpSpPr/>
+          <p:nvPr/>
+        </p:nvGrpSpPr>
+        <p:grpSpPr>
+          <a:xfrm>
+            <a:off x="3161675" y="2053955"/>
+            <a:ext cx="2624254" cy="1256208"/>
+            <a:chOff x="3268687" y="1896627"/>
+            <a:chExt cx="2624254" cy="1256208"/>
+          </a:xfrm>
+        </p:grpSpPr>
+        <p:cxnSp>
+          <p:nvCxnSpPr>
+            <p:cNvPr id="35" name="직선 연결선 34">
+              <a:extLst>
+                <a:ext uri="{FF2B5EF4-FFF2-40B4-BE49-F238E27FC236}">
+                  <a16:creationId xmlns:a16="http://schemas.microsoft.com/office/drawing/2014/main" id="{F31DB2FA-8B9B-4549-AC24-AAE3DD08F642}"/>
+                </a:ext>
+              </a:extLst>
+            </p:cNvPr>
+            <p:cNvCxnSpPr>
+              <a:cxnSpLocks/>
+            </p:cNvCxnSpPr>
+            <p:nvPr/>
+          </p:nvCxnSpPr>
+          <p:spPr>
+            <a:xfrm>
+              <a:off x="3322193" y="2265959"/>
+              <a:ext cx="2517242" cy="0"/>
+            </a:xfrm>
+            <a:prstGeom prst="line">
+              <a:avLst/>
+            </a:prstGeom>
+            <a:ln w="57150">
+              <a:solidFill>
+                <a:schemeClr val="tx1"/>
+              </a:solidFill>
+            </a:ln>
+          </p:spPr>
+          <p:style>
+            <a:lnRef idx="1">
+              <a:schemeClr val="accent1"/>
+            </a:lnRef>
+            <a:fillRef idx="0">
+              <a:schemeClr val="accent1"/>
+            </a:fillRef>
+            <a:effectRef idx="0">
+              <a:schemeClr val="accent1"/>
+            </a:effectRef>
+            <a:fontRef idx="minor">
+              <a:schemeClr val="tx1"/>
+            </a:fontRef>
+          </p:style>
+        </p:cxnSp>
+        <p:sp>
+          <p:nvSpPr>
+            <p:cNvPr id="36" name="TextBox 35">
+              <a:extLst>
+                <a:ext uri="{FF2B5EF4-FFF2-40B4-BE49-F238E27FC236}">
+                  <a16:creationId xmlns:a16="http://schemas.microsoft.com/office/drawing/2014/main" id="{EAB29C86-D452-44C6-BAE0-AD9F7D01C81C}"/>
+                </a:ext>
+              </a:extLst>
+            </p:cNvPr>
+            <p:cNvSpPr txBox="1"/>
+            <p:nvPr/>
+          </p:nvSpPr>
+          <p:spPr>
+            <a:xfrm>
+              <a:off x="3268687" y="1896627"/>
+              <a:ext cx="2624254" cy="369332"/>
+            </a:xfrm>
+            <a:prstGeom prst="rect">
+              <a:avLst/>
+            </a:prstGeom>
+            <a:noFill/>
+          </p:spPr>
+          <p:txBody>
+            <a:bodyPr wrap="square" rtlCol="0">
+              <a:spAutoFit/>
+            </a:bodyPr>
+            <a:lstStyle/>
+            <a:p>
+              <a:r>
+                <a:rPr lang="ko-KR" altLang="en-US" dirty="0" err="1">
+                  <a:latin typeface="서울남산체 B" panose="02020503020101020101" pitchFamily="18" charset="-127"/>
+                  <a:ea typeface="서울남산체 B" panose="02020503020101020101" pitchFamily="18" charset="-127"/>
+                </a:rPr>
+                <a:t>할랄</a:t>
+              </a:r>
+              <a:r>
+                <a:rPr lang="ko-KR" altLang="en-US" dirty="0">
+                  <a:latin typeface="서울남산체 B" panose="02020503020101020101" pitchFamily="18" charset="-127"/>
+                  <a:ea typeface="서울남산체 B" panose="02020503020101020101" pitchFamily="18" charset="-127"/>
+                </a:rPr>
+                <a:t> 공식 인증</a:t>
+              </a:r>
+            </a:p>
+          </p:txBody>
+        </p:sp>
+        <p:sp>
+          <p:nvSpPr>
+            <p:cNvPr id="37" name="TextBox 36">
+              <a:extLst>
+                <a:ext uri="{FF2B5EF4-FFF2-40B4-BE49-F238E27FC236}">
+                  <a16:creationId xmlns:a16="http://schemas.microsoft.com/office/drawing/2014/main" id="{94CAC422-4A85-459E-BACA-259DCC5525CB}"/>
+                </a:ext>
+              </a:extLst>
+            </p:cNvPr>
+            <p:cNvSpPr txBox="1"/>
+            <p:nvPr/>
+          </p:nvSpPr>
+          <p:spPr>
+            <a:xfrm>
+              <a:off x="3268687" y="2321838"/>
+              <a:ext cx="2624254" cy="830997"/>
+            </a:xfrm>
+            <a:prstGeom prst="rect">
+              <a:avLst/>
+            </a:prstGeom>
+            <a:noFill/>
+          </p:spPr>
+          <p:txBody>
+            <a:bodyPr wrap="square" rtlCol="0">
+              <a:spAutoFit/>
+            </a:bodyPr>
+            <a:lstStyle/>
+            <a:p>
+              <a:r>
+                <a:rPr lang="ko-KR" altLang="en-US" sz="1600" dirty="0" err="1">
+                  <a:latin typeface="서울남산체 B" panose="02020503020101020101" pitchFamily="18" charset="-127"/>
+                  <a:ea typeface="서울남산체 B" panose="02020503020101020101" pitchFamily="18" charset="-127"/>
+                </a:rPr>
+                <a:t>식약처</a:t>
+              </a:r>
+              <a:r>
+                <a:rPr lang="ko-KR" altLang="en-US" sz="1600" dirty="0">
+                  <a:latin typeface="서울남산체 B" panose="02020503020101020101" pitchFamily="18" charset="-127"/>
+                  <a:ea typeface="서울남산체 B" panose="02020503020101020101" pitchFamily="18" charset="-127"/>
+                </a:rPr>
+                <a:t> 인증 기관 </a:t>
+              </a:r>
+              <a:r>
+                <a:rPr lang="en-US" altLang="ko-KR" sz="1600" dirty="0">
+                  <a:latin typeface="서울남산체 B" panose="02020503020101020101" pitchFamily="18" charset="-127"/>
+                  <a:ea typeface="서울남산체 B" panose="02020503020101020101" pitchFamily="18" charset="-127"/>
+                </a:rPr>
+                <a:t> </a:t>
+              </a:r>
+            </a:p>
+            <a:p>
+              <a:r>
+                <a:rPr lang="ko-KR" altLang="en-US" sz="1600" dirty="0">
+                  <a:latin typeface="서울남산체 B" panose="02020503020101020101" pitchFamily="18" charset="-127"/>
+                  <a:ea typeface="서울남산체 B" panose="02020503020101020101" pitchFamily="18" charset="-127"/>
+                </a:rPr>
+                <a:t>운영자 또는 조리사 중 최소 </a:t>
+              </a:r>
+              <a:endParaRPr lang="en-US" altLang="ko-KR" sz="1600" dirty="0">
+                <a:latin typeface="서울남산체 B" panose="02020503020101020101" pitchFamily="18" charset="-127"/>
+                <a:ea typeface="서울남산체 B" panose="02020503020101020101" pitchFamily="18" charset="-127"/>
+              </a:endParaRPr>
+            </a:p>
+            <a:p>
+              <a:r>
+                <a:rPr lang="en-US" altLang="ko-KR" sz="1600" dirty="0">
+                  <a:latin typeface="서울남산체 B" panose="02020503020101020101" pitchFamily="18" charset="-127"/>
+                  <a:ea typeface="서울남산체 B" panose="02020503020101020101" pitchFamily="18" charset="-127"/>
+                </a:rPr>
+                <a:t>1</a:t>
+              </a:r>
+              <a:r>
+                <a:rPr lang="ko-KR" altLang="en-US" sz="1600" dirty="0">
+                  <a:latin typeface="서울남산체 B" panose="02020503020101020101" pitchFamily="18" charset="-127"/>
+                  <a:ea typeface="서울남산체 B" panose="02020503020101020101" pitchFamily="18" charset="-127"/>
+                </a:rPr>
+                <a:t>인 무슬림</a:t>
+              </a:r>
+            </a:p>
+          </p:txBody>
+        </p:sp>
+      </p:grpSp>
+      <p:grpSp>
+        <p:nvGrpSpPr>
+          <p:cNvPr id="40" name="그룹 39">
+            <a:extLst>
+              <a:ext uri="{FF2B5EF4-FFF2-40B4-BE49-F238E27FC236}">
+                <a16:creationId xmlns:a16="http://schemas.microsoft.com/office/drawing/2014/main" id="{7BBD8AD6-9DC2-4D04-8E25-43AC1A2592A9}"/>
+              </a:ext>
+            </a:extLst>
+          </p:cNvPr>
+          <p:cNvGrpSpPr/>
+          <p:nvPr/>
+        </p:nvGrpSpPr>
+        <p:grpSpPr>
+          <a:xfrm>
+            <a:off x="3358160" y="4683188"/>
+            <a:ext cx="2624254" cy="1009986"/>
+            <a:chOff x="3268687" y="1896627"/>
+            <a:chExt cx="2624254" cy="1009986"/>
+          </a:xfrm>
+        </p:grpSpPr>
+        <p:cxnSp>
+          <p:nvCxnSpPr>
+            <p:cNvPr id="41" name="직선 연결선 40">
+              <a:extLst>
+                <a:ext uri="{FF2B5EF4-FFF2-40B4-BE49-F238E27FC236}">
+                  <a16:creationId xmlns:a16="http://schemas.microsoft.com/office/drawing/2014/main" id="{28B326CE-8AF3-417A-82D3-745A2E69A87A}"/>
+                </a:ext>
+              </a:extLst>
+            </p:cNvPr>
+            <p:cNvCxnSpPr>
+              <a:cxnSpLocks/>
+            </p:cNvCxnSpPr>
+            <p:nvPr/>
+          </p:nvCxnSpPr>
+          <p:spPr>
+            <a:xfrm>
+              <a:off x="3322193" y="2265959"/>
+              <a:ext cx="2517242" cy="0"/>
+            </a:xfrm>
+            <a:prstGeom prst="line">
+              <a:avLst/>
+            </a:prstGeom>
+            <a:ln w="57150">
+              <a:solidFill>
+                <a:schemeClr val="tx1"/>
+              </a:solidFill>
+            </a:ln>
+          </p:spPr>
+          <p:style>
+            <a:lnRef idx="1">
+              <a:schemeClr val="accent1"/>
+            </a:lnRef>
+            <a:fillRef idx="0">
+              <a:schemeClr val="accent1"/>
+            </a:fillRef>
+            <a:effectRef idx="0">
+              <a:schemeClr val="accent1"/>
+            </a:effectRef>
+            <a:fontRef idx="minor">
+              <a:schemeClr val="tx1"/>
+            </a:fontRef>
+          </p:style>
+        </p:cxnSp>
+        <p:sp>
+          <p:nvSpPr>
+            <p:cNvPr id="42" name="TextBox 41">
+              <a:extLst>
+                <a:ext uri="{FF2B5EF4-FFF2-40B4-BE49-F238E27FC236}">
+                  <a16:creationId xmlns:a16="http://schemas.microsoft.com/office/drawing/2014/main" id="{6951247C-6822-4BC4-BB54-8651DFA4A077}"/>
+                </a:ext>
+              </a:extLst>
+            </p:cNvPr>
+            <p:cNvSpPr txBox="1"/>
+            <p:nvPr/>
+          </p:nvSpPr>
+          <p:spPr>
+            <a:xfrm>
+              <a:off x="3268687" y="1896627"/>
+              <a:ext cx="2624254" cy="369332"/>
+            </a:xfrm>
+            <a:prstGeom prst="rect">
+              <a:avLst/>
+            </a:prstGeom>
+            <a:noFill/>
+          </p:spPr>
+          <p:txBody>
+            <a:bodyPr wrap="square" rtlCol="0">
+              <a:spAutoFit/>
+            </a:bodyPr>
+            <a:lstStyle/>
+            <a:p>
+              <a:r>
+                <a:rPr lang="ko-KR" altLang="en-US" dirty="0">
+                  <a:latin typeface="서울남산체 B" panose="02020503020101020101" pitchFamily="18" charset="-127"/>
+                  <a:ea typeface="서울남산체 B" panose="02020503020101020101" pitchFamily="18" charset="-127"/>
+                </a:rPr>
+                <a:t>무슬림 자가 인증</a:t>
+              </a:r>
+            </a:p>
+          </p:txBody>
+        </p:sp>
+        <p:sp>
+          <p:nvSpPr>
+            <p:cNvPr id="43" name="TextBox 42">
+              <a:extLst>
+                <a:ext uri="{FF2B5EF4-FFF2-40B4-BE49-F238E27FC236}">
+                  <a16:creationId xmlns:a16="http://schemas.microsoft.com/office/drawing/2014/main" id="{3B0500D9-34F3-4043-A4A6-02B28F20DBCE}"/>
+                </a:ext>
+              </a:extLst>
+            </p:cNvPr>
+            <p:cNvSpPr txBox="1"/>
+            <p:nvPr/>
+          </p:nvSpPr>
+          <p:spPr>
+            <a:xfrm>
+              <a:off x="3268687" y="2321838"/>
+              <a:ext cx="2624254" cy="584775"/>
+            </a:xfrm>
+            <a:prstGeom prst="rect">
+              <a:avLst/>
+            </a:prstGeom>
+            <a:noFill/>
+          </p:spPr>
+          <p:txBody>
+            <a:bodyPr wrap="square" rtlCol="0">
+              <a:spAutoFit/>
+            </a:bodyPr>
+            <a:lstStyle/>
+            <a:p>
+              <a:r>
+                <a:rPr lang="ko-KR" altLang="en-US" sz="1600" dirty="0">
+                  <a:latin typeface="서울남산체 B" panose="02020503020101020101" pitchFamily="18" charset="-127"/>
+                  <a:ea typeface="서울남산체 B" panose="02020503020101020101" pitchFamily="18" charset="-127"/>
+                </a:rPr>
+                <a:t>무슬림 운영</a:t>
+              </a:r>
+              <a:r>
+                <a:rPr lang="en-US" altLang="ko-KR" sz="1600" dirty="0">
+                  <a:latin typeface="서울남산체 B" panose="02020503020101020101" pitchFamily="18" charset="-127"/>
+                  <a:ea typeface="서울남산체 B" panose="02020503020101020101" pitchFamily="18" charset="-127"/>
+                </a:rPr>
+                <a:t> </a:t>
+              </a:r>
+              <a:r>
+                <a:rPr lang="ko-KR" altLang="en-US" sz="1600" dirty="0">
+                  <a:latin typeface="서울남산체 B" panose="02020503020101020101" pitchFamily="18" charset="-127"/>
+                  <a:ea typeface="서울남산체 B" panose="02020503020101020101" pitchFamily="18" charset="-127"/>
+                </a:rPr>
+                <a:t>혹은 조리</a:t>
+              </a:r>
+              <a:endParaRPr lang="en-US" altLang="ko-KR" sz="1600" dirty="0">
+                <a:latin typeface="서울남산체 B" panose="02020503020101020101" pitchFamily="18" charset="-127"/>
+                <a:ea typeface="서울남산체 B" panose="02020503020101020101" pitchFamily="18" charset="-127"/>
+              </a:endParaRPr>
+            </a:p>
+            <a:p>
+              <a:r>
+                <a:rPr lang="ko-KR" altLang="en-US" sz="1600" dirty="0">
+                  <a:latin typeface="서울남산체 B" panose="02020503020101020101" pitchFamily="18" charset="-127"/>
+                  <a:ea typeface="서울남산체 B" panose="02020503020101020101" pitchFamily="18" charset="-127"/>
+                </a:rPr>
+                <a:t>스스로 </a:t>
+              </a:r>
+              <a:r>
+                <a:rPr lang="ko-KR" altLang="en-US" sz="1600" dirty="0" err="1">
+                  <a:latin typeface="서울남산체 B" panose="02020503020101020101" pitchFamily="18" charset="-127"/>
+                  <a:ea typeface="서울남산체 B" panose="02020503020101020101" pitchFamily="18" charset="-127"/>
+                </a:rPr>
+                <a:t>할랄</a:t>
+              </a:r>
+              <a:r>
+                <a:rPr lang="ko-KR" altLang="en-US" sz="1600" dirty="0">
+                  <a:latin typeface="서울남산체 B" panose="02020503020101020101" pitchFamily="18" charset="-127"/>
+                  <a:ea typeface="서울남산체 B" panose="02020503020101020101" pitchFamily="18" charset="-127"/>
+                </a:rPr>
+                <a:t> 레스토랑 인증</a:t>
+              </a:r>
+            </a:p>
+          </p:txBody>
+        </p:sp>
+      </p:grpSp>
+      <p:grpSp>
+        <p:nvGrpSpPr>
+          <p:cNvPr id="44" name="그룹 43">
+            <a:extLst>
+              <a:ext uri="{FF2B5EF4-FFF2-40B4-BE49-F238E27FC236}">
+                <a16:creationId xmlns:a16="http://schemas.microsoft.com/office/drawing/2014/main" id="{5B38C062-6E38-4901-B9E9-7B9E8393EB9E}"/>
+              </a:ext>
+            </a:extLst>
+          </p:cNvPr>
+          <p:cNvGrpSpPr/>
+          <p:nvPr/>
+        </p:nvGrpSpPr>
+        <p:grpSpPr>
+          <a:xfrm>
+            <a:off x="8647106" y="4400389"/>
+            <a:ext cx="2624254" cy="1009986"/>
+            <a:chOff x="3268687" y="1896627"/>
+            <a:chExt cx="2624254" cy="1009986"/>
+          </a:xfrm>
+        </p:grpSpPr>
+        <p:cxnSp>
+          <p:nvCxnSpPr>
+            <p:cNvPr id="45" name="직선 연결선 44">
+              <a:extLst>
+                <a:ext uri="{FF2B5EF4-FFF2-40B4-BE49-F238E27FC236}">
+                  <a16:creationId xmlns:a16="http://schemas.microsoft.com/office/drawing/2014/main" id="{1C99061E-947F-4642-8347-D0123E84E01D}"/>
+                </a:ext>
+              </a:extLst>
+            </p:cNvPr>
+            <p:cNvCxnSpPr>
+              <a:cxnSpLocks/>
+            </p:cNvCxnSpPr>
+            <p:nvPr/>
+          </p:nvCxnSpPr>
+          <p:spPr>
+            <a:xfrm>
+              <a:off x="3322193" y="2265959"/>
+              <a:ext cx="2517242" cy="0"/>
+            </a:xfrm>
+            <a:prstGeom prst="line">
+              <a:avLst/>
+            </a:prstGeom>
+            <a:ln w="57150">
+              <a:solidFill>
+                <a:schemeClr val="tx1"/>
+              </a:solidFill>
+            </a:ln>
+          </p:spPr>
+          <p:style>
+            <a:lnRef idx="1">
+              <a:schemeClr val="accent1"/>
+            </a:lnRef>
+            <a:fillRef idx="0">
+              <a:schemeClr val="accent1"/>
+            </a:fillRef>
+            <a:effectRef idx="0">
+              <a:schemeClr val="accent1"/>
+            </a:effectRef>
+            <a:fontRef idx="minor">
+              <a:schemeClr val="tx1"/>
+            </a:fontRef>
+          </p:style>
+        </p:cxnSp>
+        <p:sp>
+          <p:nvSpPr>
+            <p:cNvPr id="46" name="TextBox 45">
+              <a:extLst>
+                <a:ext uri="{FF2B5EF4-FFF2-40B4-BE49-F238E27FC236}">
+                  <a16:creationId xmlns:a16="http://schemas.microsoft.com/office/drawing/2014/main" id="{FBF9F0D0-ABD3-4C17-A6D6-97F753FD4388}"/>
+                </a:ext>
+              </a:extLst>
+            </p:cNvPr>
+            <p:cNvSpPr txBox="1"/>
+            <p:nvPr/>
+          </p:nvSpPr>
+          <p:spPr>
+            <a:xfrm>
+              <a:off x="3268687" y="1896627"/>
+              <a:ext cx="2624254" cy="369332"/>
+            </a:xfrm>
+            <a:prstGeom prst="rect">
+              <a:avLst/>
+            </a:prstGeom>
+            <a:noFill/>
+          </p:spPr>
+          <p:txBody>
+            <a:bodyPr wrap="square" rtlCol="0">
+              <a:spAutoFit/>
+            </a:bodyPr>
+            <a:lstStyle/>
+            <a:p>
+              <a:r>
+                <a:rPr lang="ko-KR" altLang="en-US" dirty="0">
+                  <a:latin typeface="서울남산체 B" panose="02020503020101020101" pitchFamily="18" charset="-127"/>
+                  <a:ea typeface="서울남산체 B" panose="02020503020101020101" pitchFamily="18" charset="-127"/>
+                </a:rPr>
+                <a:t>포크 프리</a:t>
+              </a:r>
+              <a:r>
+                <a:rPr lang="en-US" altLang="ko-KR" dirty="0">
+                  <a:latin typeface="서울남산체 B" panose="02020503020101020101" pitchFamily="18" charset="-127"/>
+                  <a:ea typeface="서울남산체 B" panose="02020503020101020101" pitchFamily="18" charset="-127"/>
+                </a:rPr>
+                <a:t>(</a:t>
+              </a:r>
+              <a:r>
+                <a:rPr lang="ko-KR" altLang="en-US" dirty="0">
+                  <a:latin typeface="서울남산체 B" panose="02020503020101020101" pitchFamily="18" charset="-127"/>
+                  <a:ea typeface="서울남산체 B" panose="02020503020101020101" pitchFamily="18" charset="-127"/>
+                </a:rPr>
+                <a:t>돼지고기 없음</a:t>
+              </a:r>
+              <a:r>
+                <a:rPr lang="en-US" altLang="ko-KR" dirty="0">
+                  <a:latin typeface="서울남산체 B" panose="02020503020101020101" pitchFamily="18" charset="-127"/>
+                  <a:ea typeface="서울남산체 B" panose="02020503020101020101" pitchFamily="18" charset="-127"/>
+                </a:rPr>
+                <a:t>)</a:t>
+              </a:r>
+              <a:endParaRPr lang="ko-KR" altLang="en-US" dirty="0">
+                <a:latin typeface="서울남산체 B" panose="02020503020101020101" pitchFamily="18" charset="-127"/>
+                <a:ea typeface="서울남산체 B" panose="02020503020101020101" pitchFamily="18" charset="-127"/>
+              </a:endParaRPr>
+            </a:p>
+          </p:txBody>
+        </p:sp>
+        <p:sp>
+          <p:nvSpPr>
+            <p:cNvPr id="47" name="TextBox 46">
+              <a:extLst>
+                <a:ext uri="{FF2B5EF4-FFF2-40B4-BE49-F238E27FC236}">
+                  <a16:creationId xmlns:a16="http://schemas.microsoft.com/office/drawing/2014/main" id="{3CA309F2-D17D-4040-92A8-85C20F27E199}"/>
+                </a:ext>
+              </a:extLst>
+            </p:cNvPr>
+            <p:cNvSpPr txBox="1"/>
+            <p:nvPr/>
+          </p:nvSpPr>
+          <p:spPr>
+            <a:xfrm>
+              <a:off x="3268687" y="2321838"/>
+              <a:ext cx="2624254" cy="584775"/>
+            </a:xfrm>
+            <a:prstGeom prst="rect">
+              <a:avLst/>
+            </a:prstGeom>
+            <a:noFill/>
+          </p:spPr>
+          <p:txBody>
+            <a:bodyPr wrap="square" rtlCol="0">
+              <a:spAutoFit/>
+            </a:bodyPr>
+            <a:lstStyle/>
+            <a:p>
+              <a:r>
+                <a:rPr lang="ko-KR" altLang="en-US" sz="1600" dirty="0" err="1">
+                  <a:latin typeface="서울남산체 B" panose="02020503020101020101" pitchFamily="18" charset="-127"/>
+                  <a:ea typeface="서울남산체 B" panose="02020503020101020101" pitchFamily="18" charset="-127"/>
+                </a:rPr>
+                <a:t>할랄메뉴를</a:t>
+              </a:r>
+              <a:r>
+                <a:rPr lang="ko-KR" altLang="en-US" sz="1600" dirty="0">
+                  <a:latin typeface="서울남산체 B" panose="02020503020101020101" pitchFamily="18" charset="-127"/>
+                  <a:ea typeface="서울남산체 B" panose="02020503020101020101" pitchFamily="18" charset="-127"/>
+                </a:rPr>
+                <a:t> 제공하지 않으나</a:t>
+              </a:r>
+              <a:r>
+                <a:rPr lang="en-US" altLang="ko-KR" sz="1600" dirty="0">
+                  <a:latin typeface="서울남산체 B" panose="02020503020101020101" pitchFamily="18" charset="-127"/>
+                  <a:ea typeface="서울남산체 B" panose="02020503020101020101" pitchFamily="18" charset="-127"/>
+                </a:rPr>
+                <a:t>,</a:t>
+              </a:r>
+            </a:p>
+            <a:p>
+              <a:r>
+                <a:rPr lang="ko-KR" altLang="en-US" sz="1600" dirty="0">
+                  <a:latin typeface="서울남산체 B" panose="02020503020101020101" pitchFamily="18" charset="-127"/>
+                  <a:ea typeface="서울남산체 B" panose="02020503020101020101" pitchFamily="18" charset="-127"/>
+                </a:rPr>
+                <a:t>돼지고기를 사용하지 않는 곳</a:t>
+              </a:r>
+              <a:endParaRPr lang="en-US" altLang="ko-KR" sz="1600" dirty="0">
+                <a:latin typeface="서울남산체 B" panose="02020503020101020101" pitchFamily="18" charset="-127"/>
+                <a:ea typeface="서울남산체 B" panose="02020503020101020101" pitchFamily="18" charset="-127"/>
+              </a:endParaRPr>
+            </a:p>
+          </p:txBody>
+        </p:sp>
+      </p:grpSp>
+    </p:spTree>
+    <p:extLst>
+      <p:ext uri="{BB962C8B-B14F-4D97-AF65-F5344CB8AC3E}">
+        <p14:creationId xmlns:p14="http://schemas.microsoft.com/office/powerpoint/2010/main" val="1975559209"/>
+      </p:ext>
+    </p:extLst>
+  </p:cSld>
+  <p:clrMapOvr>
+    <a:masterClrMapping/>
+  </p:clrMapOvr>
+</p:sld>
+</file>
+
+<file path=ppt/slides/slide8.xml><?xml version="1.0" encoding="utf-8"?>
 <p:sld xmlns:a="http://schemas.openxmlformats.org/drawingml/2006/main" xmlns:r="http://schemas.openxmlformats.org/officeDocument/2006/relationships" xmlns:p="http://schemas.openxmlformats.org/presentationml/2006/main" showMasterSp="0">
   <p:cSld>
     <p:spTree>
@@ -14327,360 +17258,12 @@
           </a:p>
         </p:txBody>
       </p:sp>
-    </p:spTree>
-    <p:extLst>
-      <p:ext uri="{BB962C8B-B14F-4D97-AF65-F5344CB8AC3E}">
-        <p14:creationId xmlns:p14="http://schemas.microsoft.com/office/powerpoint/2010/main" val="1474833571"/>
-      </p:ext>
-    </p:extLst>
-  </p:cSld>
-  <p:clrMapOvr>
-    <a:masterClrMapping/>
-  </p:clrMapOvr>
-</p:sld>
-</file>
-
-<file path=ppt/slides/slide8.xml><?xml version="1.0" encoding="utf-8"?>
-<p:sld xmlns:a="http://schemas.openxmlformats.org/drawingml/2006/main" xmlns:r="http://schemas.openxmlformats.org/officeDocument/2006/relationships" xmlns:p="http://schemas.openxmlformats.org/presentationml/2006/main" showMasterSp="0">
-  <p:cSld>
-    <p:spTree>
-      <p:nvGrpSpPr>
-        <p:cNvPr id="1" name=""/>
-        <p:cNvGrpSpPr/>
-        <p:nvPr/>
-      </p:nvGrpSpPr>
-      <p:grpSpPr>
-        <a:xfrm>
-          <a:off x="0" y="0"/>
-          <a:ext cx="0" cy="0"/>
-          <a:chOff x="0" y="0"/>
-          <a:chExt cx="0" cy="0"/>
-        </a:xfrm>
-      </p:grpSpPr>
-      <p:grpSp>
-        <p:nvGrpSpPr>
-          <p:cNvPr id="10" name="그룹 9">
-            <a:extLst>
-              <a:ext uri="{FF2B5EF4-FFF2-40B4-BE49-F238E27FC236}">
-                <a16:creationId xmlns:a16="http://schemas.microsoft.com/office/drawing/2014/main" id="{BDDC12B7-2293-4465-9A80-811AB739417A}"/>
-              </a:ext>
-            </a:extLst>
-          </p:cNvPr>
-          <p:cNvGrpSpPr/>
-          <p:nvPr/>
-        </p:nvGrpSpPr>
-        <p:grpSpPr>
-          <a:xfrm>
-            <a:off x="1" y="-16542"/>
-            <a:ext cx="14512134" cy="870519"/>
-            <a:chOff x="1" y="-16542"/>
-            <a:chExt cx="14512134" cy="870519"/>
-          </a:xfrm>
-        </p:grpSpPr>
-        <p:pic>
-          <p:nvPicPr>
-            <p:cNvPr id="11" name="그림 10">
-              <a:extLst>
-                <a:ext uri="{FF2B5EF4-FFF2-40B4-BE49-F238E27FC236}">
-                  <a16:creationId xmlns:a16="http://schemas.microsoft.com/office/drawing/2014/main" id="{BC7A1B08-A909-4CF2-B9C4-E0E656533B67}"/>
-                </a:ext>
-              </a:extLst>
-            </p:cNvPr>
-            <p:cNvPicPr>
-              <a:picLocks noChangeAspect="1"/>
-            </p:cNvPicPr>
-            <p:nvPr/>
-          </p:nvPicPr>
-          <p:blipFill>
-            <a:blip r:embed="rId2">
-              <a:extLst>
-                <a:ext uri="{28A0092B-C50C-407E-A947-70E740481C1C}">
-                  <a14:useLocalDpi xmlns:a14="http://schemas.microsoft.com/office/drawing/2010/main" val="0"/>
-                </a:ext>
-              </a:extLst>
-            </a:blip>
-            <a:stretch>
-              <a:fillRect/>
-            </a:stretch>
-          </p:blipFill>
-          <p:spPr>
-            <a:xfrm>
-              <a:off x="1" y="-6181"/>
-              <a:ext cx="4837378" cy="433429"/>
-            </a:xfrm>
-            <a:prstGeom prst="rect">
-              <a:avLst/>
-            </a:prstGeom>
-          </p:spPr>
-        </p:pic>
-        <p:pic>
-          <p:nvPicPr>
-            <p:cNvPr id="12" name="그림 11">
-              <a:extLst>
-                <a:ext uri="{FF2B5EF4-FFF2-40B4-BE49-F238E27FC236}">
-                  <a16:creationId xmlns:a16="http://schemas.microsoft.com/office/drawing/2014/main" id="{41814924-F3CE-44B3-B4FD-2EC92D1E7C33}"/>
-                </a:ext>
-              </a:extLst>
-            </p:cNvPr>
-            <p:cNvPicPr>
-              <a:picLocks noChangeAspect="1"/>
-            </p:cNvPicPr>
-            <p:nvPr/>
-          </p:nvPicPr>
-          <p:blipFill>
-            <a:blip r:embed="rId2">
-              <a:extLst>
-                <a:ext uri="{28A0092B-C50C-407E-A947-70E740481C1C}">
-                  <a14:useLocalDpi xmlns:a14="http://schemas.microsoft.com/office/drawing/2010/main" val="0"/>
-                </a:ext>
-              </a:extLst>
-            </a:blip>
-            <a:stretch>
-              <a:fillRect/>
-            </a:stretch>
-          </p:blipFill>
-          <p:spPr>
-            <a:xfrm>
-              <a:off x="4837379" y="-6182"/>
-              <a:ext cx="4837378" cy="433429"/>
-            </a:xfrm>
-            <a:prstGeom prst="rect">
-              <a:avLst/>
-            </a:prstGeom>
-          </p:spPr>
-        </p:pic>
-        <p:pic>
-          <p:nvPicPr>
-            <p:cNvPr id="14" name="그림 13">
-              <a:extLst>
-                <a:ext uri="{FF2B5EF4-FFF2-40B4-BE49-F238E27FC236}">
-                  <a16:creationId xmlns:a16="http://schemas.microsoft.com/office/drawing/2014/main" id="{5029C520-A684-40B3-B50C-1999AB952902}"/>
-                </a:ext>
-              </a:extLst>
-            </p:cNvPr>
-            <p:cNvPicPr>
-              <a:picLocks noChangeAspect="1"/>
-            </p:cNvPicPr>
-            <p:nvPr/>
-          </p:nvPicPr>
-          <p:blipFill>
-            <a:blip r:embed="rId2">
-              <a:extLst>
-                <a:ext uri="{28A0092B-C50C-407E-A947-70E740481C1C}">
-                  <a14:useLocalDpi xmlns:a14="http://schemas.microsoft.com/office/drawing/2010/main" val="0"/>
-                </a:ext>
-              </a:extLst>
-            </a:blip>
-            <a:stretch>
-              <a:fillRect/>
-            </a:stretch>
-          </p:blipFill>
-          <p:spPr>
-            <a:xfrm>
-              <a:off x="9674757" y="-16542"/>
-              <a:ext cx="4837378" cy="433429"/>
-            </a:xfrm>
-            <a:prstGeom prst="rect">
-              <a:avLst/>
-            </a:prstGeom>
-          </p:spPr>
-        </p:pic>
-        <p:pic>
-          <p:nvPicPr>
-            <p:cNvPr id="15" name="그림 14">
-              <a:extLst>
-                <a:ext uri="{FF2B5EF4-FFF2-40B4-BE49-F238E27FC236}">
-                  <a16:creationId xmlns:a16="http://schemas.microsoft.com/office/drawing/2014/main" id="{D6EC80B7-25F0-499F-A61B-78A2BE8BC314}"/>
-                </a:ext>
-              </a:extLst>
-            </p:cNvPr>
-            <p:cNvPicPr>
-              <a:picLocks noChangeAspect="1"/>
-            </p:cNvPicPr>
-            <p:nvPr/>
-          </p:nvPicPr>
-          <p:blipFill>
-            <a:blip r:embed="rId2">
-              <a:extLst>
-                <a:ext uri="{28A0092B-C50C-407E-A947-70E740481C1C}">
-                  <a14:useLocalDpi xmlns:a14="http://schemas.microsoft.com/office/drawing/2010/main" val="0"/>
-                </a:ext>
-              </a:extLst>
-            </a:blip>
-            <a:stretch>
-              <a:fillRect/>
-            </a:stretch>
-          </p:blipFill>
-          <p:spPr>
-            <a:xfrm>
-              <a:off x="1" y="416887"/>
-              <a:ext cx="4837378" cy="433429"/>
-            </a:xfrm>
-            <a:prstGeom prst="rect">
-              <a:avLst/>
-            </a:prstGeom>
-          </p:spPr>
-        </p:pic>
-        <p:pic>
-          <p:nvPicPr>
-            <p:cNvPr id="16" name="그림 15">
-              <a:extLst>
-                <a:ext uri="{FF2B5EF4-FFF2-40B4-BE49-F238E27FC236}">
-                  <a16:creationId xmlns:a16="http://schemas.microsoft.com/office/drawing/2014/main" id="{A221FDC5-0F30-49D9-A663-78440C704B07}"/>
-                </a:ext>
-              </a:extLst>
-            </p:cNvPr>
-            <p:cNvPicPr>
-              <a:picLocks noChangeAspect="1"/>
-            </p:cNvPicPr>
-            <p:nvPr/>
-          </p:nvPicPr>
-          <p:blipFill>
-            <a:blip r:embed="rId2">
-              <a:extLst>
-                <a:ext uri="{28A0092B-C50C-407E-A947-70E740481C1C}">
-                  <a14:useLocalDpi xmlns:a14="http://schemas.microsoft.com/office/drawing/2010/main" val="0"/>
-                </a:ext>
-              </a:extLst>
-            </a:blip>
-            <a:stretch>
-              <a:fillRect/>
-            </a:stretch>
-          </p:blipFill>
-          <p:spPr>
-            <a:xfrm>
-              <a:off x="4837379" y="418136"/>
-              <a:ext cx="4837378" cy="433429"/>
-            </a:xfrm>
-            <a:prstGeom prst="rect">
-              <a:avLst/>
-            </a:prstGeom>
-          </p:spPr>
-        </p:pic>
-        <p:pic>
-          <p:nvPicPr>
-            <p:cNvPr id="17" name="그림 16">
-              <a:extLst>
-                <a:ext uri="{FF2B5EF4-FFF2-40B4-BE49-F238E27FC236}">
-                  <a16:creationId xmlns:a16="http://schemas.microsoft.com/office/drawing/2014/main" id="{2C5673B7-C4D3-4054-8CBA-661E4909BD32}"/>
-                </a:ext>
-              </a:extLst>
-            </p:cNvPr>
-            <p:cNvPicPr>
-              <a:picLocks noChangeAspect="1"/>
-            </p:cNvPicPr>
-            <p:nvPr/>
-          </p:nvPicPr>
-          <p:blipFill>
-            <a:blip r:embed="rId2">
-              <a:extLst>
-                <a:ext uri="{28A0092B-C50C-407E-A947-70E740481C1C}">
-                  <a14:useLocalDpi xmlns:a14="http://schemas.microsoft.com/office/drawing/2010/main" val="0"/>
-                </a:ext>
-              </a:extLst>
-            </a:blip>
-            <a:stretch>
-              <a:fillRect/>
-            </a:stretch>
-          </p:blipFill>
-          <p:spPr>
-            <a:xfrm>
-              <a:off x="9674757" y="420548"/>
-              <a:ext cx="4837378" cy="433429"/>
-            </a:xfrm>
-            <a:prstGeom prst="rect">
-              <a:avLst/>
-            </a:prstGeom>
-          </p:spPr>
-        </p:pic>
-      </p:grpSp>
       <p:sp>
         <p:nvSpPr>
-          <p:cNvPr id="2" name="TextBox 1">
-            <a:extLst>
-              <a:ext uri="{FF2B5EF4-FFF2-40B4-BE49-F238E27FC236}">
-                <a16:creationId xmlns:a16="http://schemas.microsoft.com/office/drawing/2014/main" id="{C482CDA8-E98D-48A4-AD68-DEFF98A473BA}"/>
-              </a:ext>
-            </a:extLst>
-          </p:cNvPr>
-          <p:cNvSpPr txBox="1"/>
-          <p:nvPr/>
-        </p:nvSpPr>
-        <p:spPr>
-          <a:xfrm>
-            <a:off x="286051" y="236757"/>
-            <a:ext cx="4551328" cy="461665"/>
-          </a:xfrm>
-          <a:prstGeom prst="rect">
-            <a:avLst/>
-          </a:prstGeom>
-          <a:noFill/>
-        </p:spPr>
-        <p:txBody>
-          <a:bodyPr wrap="square" rtlCol="0">
-            <a:spAutoFit/>
-          </a:bodyPr>
-          <a:lstStyle/>
-          <a:p>
-            <a:r>
-              <a:rPr lang="en-US" altLang="ko-KR" sz="2400" b="1" dirty="0">
-                <a:latin typeface="서울남산체 EB" panose="02020503020101020101" pitchFamily="18" charset="-127"/>
-                <a:ea typeface="서울남산체 EB" panose="02020503020101020101" pitchFamily="18" charset="-127"/>
-              </a:rPr>
-              <a:t>01. </a:t>
-            </a:r>
-            <a:r>
-              <a:rPr lang="ko-KR" altLang="en-US" sz="2400" b="1" dirty="0">
-                <a:latin typeface="서울남산체 EB" panose="02020503020101020101" pitchFamily="18" charset="-127"/>
-                <a:ea typeface="서울남산체 EB" panose="02020503020101020101" pitchFamily="18" charset="-127"/>
-              </a:rPr>
-              <a:t>데이터 시각화</a:t>
-            </a:r>
-          </a:p>
-        </p:txBody>
-      </p:sp>
-      <p:pic>
-        <p:nvPicPr>
-          <p:cNvPr id="5" name="그림 4" descr="텍스트, 지도이(가) 표시된 사진&#10;&#10;자동 생성된 설명">
-            <a:extLst>
-              <a:ext uri="{FF2B5EF4-FFF2-40B4-BE49-F238E27FC236}">
-                <a16:creationId xmlns:a16="http://schemas.microsoft.com/office/drawing/2014/main" id="{DEF2DCA5-EBF8-41B3-9D96-E9289569FD50}"/>
-              </a:ext>
-            </a:extLst>
-          </p:cNvPr>
-          <p:cNvPicPr>
-            <a:picLocks noChangeAspect="1"/>
-          </p:cNvPicPr>
-          <p:nvPr/>
-        </p:nvPicPr>
-        <p:blipFill>
-          <a:blip r:embed="rId3">
-            <a:extLst>
-              <a:ext uri="{28A0092B-C50C-407E-A947-70E740481C1C}">
-                <a14:useLocalDpi xmlns:a14="http://schemas.microsoft.com/office/drawing/2010/main" val="0"/>
-              </a:ext>
-            </a:extLst>
-          </a:blip>
-          <a:stretch>
-            <a:fillRect/>
-          </a:stretch>
-        </p:blipFill>
-        <p:spPr>
-          <a:xfrm>
-            <a:off x="2823716" y="607377"/>
-            <a:ext cx="6179820" cy="6179820"/>
-          </a:xfrm>
-          <a:prstGeom prst="rect">
-            <a:avLst/>
-          </a:prstGeom>
-        </p:spPr>
-      </p:pic>
-      <p:sp>
-        <p:nvSpPr>
-          <p:cNvPr id="6" name="사각형: 둥근 모서리 5">
-            <a:extLst>
-              <a:ext uri="{FF2B5EF4-FFF2-40B4-BE49-F238E27FC236}">
-                <a16:creationId xmlns:a16="http://schemas.microsoft.com/office/drawing/2014/main" id="{6167CD4B-5BDB-4B83-A053-B7F760DFB90C}"/>
+          <p:cNvPr id="4" name="사각형: 둥근 모서리 3">
+            <a:extLst>
+              <a:ext uri="{FF2B5EF4-FFF2-40B4-BE49-F238E27FC236}">
+                <a16:creationId xmlns:a16="http://schemas.microsoft.com/office/drawing/2014/main" id="{B68C267D-104F-4906-8DAB-289F32D366AB}"/>
               </a:ext>
             </a:extLst>
           </p:cNvPr>
@@ -14689,8 +17272,8 @@
         </p:nvSpPr>
         <p:spPr>
           <a:xfrm>
-            <a:off x="486110" y="1347993"/>
-            <a:ext cx="3865159" cy="612887"/>
+            <a:off x="9064782" y="2071290"/>
+            <a:ext cx="2476419" cy="1469023"/>
           </a:xfrm>
           <a:prstGeom prst="roundRect">
             <a:avLst/>
@@ -14722,114 +17305,65 @@
                 <a:latin typeface="서울남산체 B" panose="02020503020101020101" pitchFamily="18" charset="-127"/>
                 <a:ea typeface="서울남산체 B" panose="02020503020101020101" pitchFamily="18" charset="-127"/>
               </a:rPr>
-              <a:t>서울시 무슬림 친화 식당 분포</a:t>
-            </a:r>
-            <a:endParaRPr lang="en-US" altLang="ko-KR" dirty="0">
-              <a:latin typeface="서울남산체 B" panose="02020503020101020101" pitchFamily="18" charset="-127"/>
-              <a:ea typeface="서울남산체 B" panose="02020503020101020101" pitchFamily="18" charset="-127"/>
-            </a:endParaRPr>
-          </a:p>
-        </p:txBody>
-      </p:sp>
-      <p:cxnSp>
-        <p:nvCxnSpPr>
-          <p:cNvPr id="22" name="직선 연결선 21">
-            <a:extLst>
-              <a:ext uri="{FF2B5EF4-FFF2-40B4-BE49-F238E27FC236}">
-                <a16:creationId xmlns:a16="http://schemas.microsoft.com/office/drawing/2014/main" id="{91C890D5-BE91-4031-9A4D-09AEEFB55359}"/>
-              </a:ext>
-            </a:extLst>
-          </p:cNvPr>
-          <p:cNvCxnSpPr>
-            <a:cxnSpLocks/>
-          </p:cNvCxnSpPr>
-          <p:nvPr/>
-        </p:nvCxnSpPr>
-        <p:spPr>
-          <a:xfrm>
-            <a:off x="9674757" y="6278137"/>
-            <a:ext cx="2517242" cy="0"/>
-          </a:xfrm>
-          <a:prstGeom prst="line">
-            <a:avLst/>
-          </a:prstGeom>
-          <a:ln w="57150">
-            <a:solidFill>
-              <a:schemeClr val="tx1"/>
-            </a:solidFill>
-          </a:ln>
-        </p:spPr>
-        <p:style>
-          <a:lnRef idx="1">
-            <a:schemeClr val="accent1"/>
-          </a:lnRef>
-          <a:fillRef idx="0">
-            <a:schemeClr val="accent1"/>
-          </a:fillRef>
-          <a:effectRef idx="0">
-            <a:schemeClr val="accent1"/>
-          </a:effectRef>
-          <a:fontRef idx="minor">
-            <a:schemeClr val="tx1"/>
-          </a:fontRef>
-        </p:style>
-      </p:cxnSp>
-      <p:sp>
-        <p:nvSpPr>
-          <p:cNvPr id="24" name="TextBox 23">
-            <a:extLst>
-              <a:ext uri="{FF2B5EF4-FFF2-40B4-BE49-F238E27FC236}">
-                <a16:creationId xmlns:a16="http://schemas.microsoft.com/office/drawing/2014/main" id="{1FFD2A2D-2A1B-4BE0-9BA3-CDAD90EA7926}"/>
-              </a:ext>
-            </a:extLst>
-          </p:cNvPr>
-          <p:cNvSpPr txBox="1"/>
-          <p:nvPr/>
-        </p:nvSpPr>
-        <p:spPr>
-          <a:xfrm>
-            <a:off x="9567746" y="5631806"/>
-            <a:ext cx="2624254" cy="646331"/>
-          </a:xfrm>
-          <a:prstGeom prst="rect">
-            <a:avLst/>
-          </a:prstGeom>
-          <a:noFill/>
-        </p:spPr>
-        <p:txBody>
-          <a:bodyPr wrap="square" rtlCol="0">
-            <a:spAutoFit/>
-          </a:bodyPr>
-          <a:lstStyle/>
-          <a:p>
+              <a:t>중구</a:t>
+            </a:r>
+            <a:r>
+              <a:rPr lang="en-US" altLang="ko-KR" dirty="0">
+                <a:latin typeface="서울남산체 B" panose="02020503020101020101" pitchFamily="18" charset="-127"/>
+                <a:ea typeface="서울남산체 B" panose="02020503020101020101" pitchFamily="18" charset="-127"/>
+              </a:rPr>
+              <a:t>, </a:t>
+            </a:r>
             <a:r>
               <a:rPr lang="ko-KR" altLang="en-US" dirty="0">
                 <a:latin typeface="서울남산체 B" panose="02020503020101020101" pitchFamily="18" charset="-127"/>
                 <a:ea typeface="서울남산체 B" panose="02020503020101020101" pitchFamily="18" charset="-127"/>
               </a:rPr>
-              <a:t>한국관광공사 </a:t>
-            </a:r>
-            <a:endParaRPr lang="en-US" altLang="ko-KR" dirty="0">
-              <a:latin typeface="서울남산체 B" panose="02020503020101020101" pitchFamily="18" charset="-127"/>
-              <a:ea typeface="서울남산체 B" panose="02020503020101020101" pitchFamily="18" charset="-127"/>
-            </a:endParaRPr>
-          </a:p>
-          <a:p>
+              <a:t>종로구</a:t>
+            </a:r>
+            <a:r>
+              <a:rPr lang="en-US" altLang="ko-KR" dirty="0">
+                <a:latin typeface="서울남산체 B" panose="02020503020101020101" pitchFamily="18" charset="-127"/>
+                <a:ea typeface="서울남산체 B" panose="02020503020101020101" pitchFamily="18" charset="-127"/>
+              </a:rPr>
+              <a:t>, </a:t>
+            </a:r>
             <a:r>
               <a:rPr lang="ko-KR" altLang="en-US" dirty="0">
                 <a:latin typeface="서울남산체 B" panose="02020503020101020101" pitchFamily="18" charset="-127"/>
                 <a:ea typeface="서울남산체 B" panose="02020503020101020101" pitchFamily="18" charset="-127"/>
               </a:rPr>
-              <a:t>무슬림 친화 식당 </a:t>
-            </a:r>
-            <a:r>
-              <a:rPr lang="ko-KR" altLang="en-US" dirty="0" err="1">
+              <a:t>용산구</a:t>
+            </a:r>
+            <a:r>
+              <a:rPr lang="en-US" altLang="ko-KR" dirty="0">
                 <a:latin typeface="서울남산체 B" panose="02020503020101020101" pitchFamily="18" charset="-127"/>
                 <a:ea typeface="서울남산체 B" panose="02020503020101020101" pitchFamily="18" charset="-127"/>
               </a:rPr>
-              <a:t>크롤링</a:t>
-            </a:r>
-            <a:endParaRPr lang="ko-KR" altLang="en-US" dirty="0">
+              <a:t>, </a:t>
+            </a:r>
+            <a:r>
+              <a:rPr lang="ko-KR" altLang="en-US" dirty="0">
+                <a:latin typeface="서울남산체 B" panose="02020503020101020101" pitchFamily="18" charset="-127"/>
+                <a:ea typeface="서울남산체 B" panose="02020503020101020101" pitchFamily="18" charset="-127"/>
+              </a:rPr>
+              <a:t>마포구</a:t>
+            </a:r>
+            <a:r>
+              <a:rPr lang="en-US" altLang="ko-KR" dirty="0">
+                <a:latin typeface="서울남산체 B" panose="02020503020101020101" pitchFamily="18" charset="-127"/>
+                <a:ea typeface="서울남산체 B" panose="02020503020101020101" pitchFamily="18" charset="-127"/>
+              </a:rPr>
+              <a:t>, </a:t>
+            </a:r>
+            <a:r>
+              <a:rPr lang="ko-KR" altLang="en-US" dirty="0">
+                <a:latin typeface="서울남산체 B" panose="02020503020101020101" pitchFamily="18" charset="-127"/>
+                <a:ea typeface="서울남산체 B" panose="02020503020101020101" pitchFamily="18" charset="-127"/>
+              </a:rPr>
+              <a:t>강남구 </a:t>
+            </a:r>
+            <a:endParaRPr lang="en-US" altLang="ko-KR" dirty="0">
               <a:latin typeface="서울남산체 B" panose="02020503020101020101" pitchFamily="18" charset="-127"/>
               <a:ea typeface="서울남산체 B" panose="02020503020101020101" pitchFamily="18" charset="-127"/>
             </a:endParaRPr>
@@ -14839,7 +17373,7 @@
     </p:spTree>
     <p:extLst>
       <p:ext uri="{BB962C8B-B14F-4D97-AF65-F5344CB8AC3E}">
-        <p14:creationId xmlns:p14="http://schemas.microsoft.com/office/powerpoint/2010/main" val="64625064"/>
+        <p14:creationId xmlns:p14="http://schemas.microsoft.com/office/powerpoint/2010/main" val="1474833571"/>
       </p:ext>
     </p:extLst>
   </p:cSld>
@@ -15330,6 +17864,163 @@
               </a:rPr>
               <a:t>신한은행 데이터 분석</a:t>
             </a:r>
+          </a:p>
+        </p:txBody>
+      </p:sp>
+      <p:sp>
+        <p:nvSpPr>
+          <p:cNvPr id="5" name="사각형: 둥근 모서리 4">
+            <a:extLst>
+              <a:ext uri="{FF2B5EF4-FFF2-40B4-BE49-F238E27FC236}">
+                <a16:creationId xmlns:a16="http://schemas.microsoft.com/office/drawing/2014/main" id="{CEFC94E1-20E4-4243-A533-C7142AB4C460}"/>
+              </a:ext>
+            </a:extLst>
+          </p:cNvPr>
+          <p:cNvSpPr/>
+          <p:nvPr/>
+        </p:nvSpPr>
+        <p:spPr>
+          <a:xfrm>
+            <a:off x="486110" y="5137786"/>
+            <a:ext cx="2883623" cy="1198880"/>
+          </a:xfrm>
+          <a:prstGeom prst="roundRect">
+            <a:avLst/>
+          </a:prstGeom>
+        </p:spPr>
+        <p:style>
+          <a:lnRef idx="2">
+            <a:schemeClr val="accent1">
+              <a:shade val="50000"/>
+            </a:schemeClr>
+          </a:lnRef>
+          <a:fillRef idx="1">
+            <a:schemeClr val="accent1"/>
+          </a:fillRef>
+          <a:effectRef idx="0">
+            <a:schemeClr val="accent1"/>
+          </a:effectRef>
+          <a:fontRef idx="minor">
+            <a:schemeClr val="lt1"/>
+          </a:fontRef>
+        </p:style>
+        <p:txBody>
+          <a:bodyPr rtlCol="0" anchor="ctr"/>
+          <a:lstStyle/>
+          <a:p>
+            <a:pPr algn="ctr"/>
+            <a:r>
+              <a:rPr lang="ko-KR" altLang="en-US" dirty="0">
+                <a:latin typeface="서울남산체 B" panose="02020503020101020101" pitchFamily="18" charset="-127"/>
+                <a:ea typeface="서울남산체 B" panose="02020503020101020101" pitchFamily="18" charset="-127"/>
+              </a:rPr>
+              <a:t>중구</a:t>
+            </a:r>
+            <a:r>
+              <a:rPr lang="en-US" altLang="ko-KR" dirty="0">
+                <a:latin typeface="서울남산체 B" panose="02020503020101020101" pitchFamily="18" charset="-127"/>
+                <a:ea typeface="서울남산체 B" panose="02020503020101020101" pitchFamily="18" charset="-127"/>
+              </a:rPr>
+              <a:t>, </a:t>
+            </a:r>
+            <a:r>
+              <a:rPr lang="ko-KR" altLang="en-US" dirty="0">
+                <a:latin typeface="서울남산체 B" panose="02020503020101020101" pitchFamily="18" charset="-127"/>
+                <a:ea typeface="서울남산체 B" panose="02020503020101020101" pitchFamily="18" charset="-127"/>
+              </a:rPr>
+              <a:t>종로구</a:t>
+            </a:r>
+            <a:r>
+              <a:rPr lang="en-US" altLang="ko-KR" dirty="0">
+                <a:latin typeface="서울남산체 B" panose="02020503020101020101" pitchFamily="18" charset="-127"/>
+                <a:ea typeface="서울남산체 B" panose="02020503020101020101" pitchFamily="18" charset="-127"/>
+              </a:rPr>
+              <a:t>, </a:t>
+            </a:r>
+            <a:r>
+              <a:rPr lang="ko-KR" altLang="en-US" dirty="0">
+                <a:latin typeface="서울남산체 B" panose="02020503020101020101" pitchFamily="18" charset="-127"/>
+                <a:ea typeface="서울남산체 B" panose="02020503020101020101" pitchFamily="18" charset="-127"/>
+              </a:rPr>
+              <a:t>용산구</a:t>
+            </a:r>
+            <a:r>
+              <a:rPr lang="en-US" altLang="ko-KR" dirty="0">
+                <a:latin typeface="서울남산체 B" panose="02020503020101020101" pitchFamily="18" charset="-127"/>
+                <a:ea typeface="서울남산체 B" panose="02020503020101020101" pitchFamily="18" charset="-127"/>
+              </a:rPr>
+              <a:t>, </a:t>
+            </a:r>
+          </a:p>
+          <a:p>
+            <a:pPr algn="ctr"/>
+            <a:r>
+              <a:rPr lang="ko-KR" altLang="en-US" dirty="0">
+                <a:latin typeface="서울남산체 B" panose="02020503020101020101" pitchFamily="18" charset="-127"/>
+                <a:ea typeface="서울남산체 B" panose="02020503020101020101" pitchFamily="18" charset="-127"/>
+              </a:rPr>
+              <a:t>강남구</a:t>
+            </a:r>
+            <a:r>
+              <a:rPr lang="en-US" altLang="ko-KR" dirty="0">
+                <a:latin typeface="서울남산체 B" panose="02020503020101020101" pitchFamily="18" charset="-127"/>
+                <a:ea typeface="서울남산체 B" panose="02020503020101020101" pitchFamily="18" charset="-127"/>
+              </a:rPr>
+              <a:t>, </a:t>
+            </a:r>
+            <a:r>
+              <a:rPr lang="ko-KR" altLang="en-US" dirty="0">
+                <a:latin typeface="서울남산체 B" panose="02020503020101020101" pitchFamily="18" charset="-127"/>
+                <a:ea typeface="서울남산체 B" panose="02020503020101020101" pitchFamily="18" charset="-127"/>
+              </a:rPr>
+              <a:t>송파구</a:t>
+            </a:r>
+            <a:r>
+              <a:rPr lang="en-US" altLang="ko-KR" dirty="0">
+                <a:latin typeface="서울남산체 B" panose="02020503020101020101" pitchFamily="18" charset="-127"/>
+                <a:ea typeface="서울남산체 B" panose="02020503020101020101" pitchFamily="18" charset="-127"/>
+              </a:rPr>
+              <a:t>, </a:t>
+            </a:r>
+            <a:r>
+              <a:rPr lang="ko-KR" altLang="en-US" dirty="0">
+                <a:latin typeface="서울남산체 B" panose="02020503020101020101" pitchFamily="18" charset="-127"/>
+                <a:ea typeface="서울남산체 B" panose="02020503020101020101" pitchFamily="18" charset="-127"/>
+              </a:rPr>
+              <a:t>서대문구</a:t>
+            </a:r>
+            <a:r>
+              <a:rPr lang="en-US" altLang="ko-KR" dirty="0">
+                <a:latin typeface="서울남산체 B" panose="02020503020101020101" pitchFamily="18" charset="-127"/>
+                <a:ea typeface="서울남산체 B" panose="02020503020101020101" pitchFamily="18" charset="-127"/>
+              </a:rPr>
+              <a:t>, </a:t>
+            </a:r>
+            <a:r>
+              <a:rPr lang="ko-KR" altLang="en-US" dirty="0">
+                <a:latin typeface="서울남산체 B" panose="02020503020101020101" pitchFamily="18" charset="-127"/>
+                <a:ea typeface="서울남산체 B" panose="02020503020101020101" pitchFamily="18" charset="-127"/>
+              </a:rPr>
+              <a:t>영등포구</a:t>
+            </a:r>
+            <a:r>
+              <a:rPr lang="en-US" altLang="ko-KR" dirty="0">
+                <a:latin typeface="서울남산체 B" panose="02020503020101020101" pitchFamily="18" charset="-127"/>
+                <a:ea typeface="서울남산체 B" panose="02020503020101020101" pitchFamily="18" charset="-127"/>
+              </a:rPr>
+              <a:t>, </a:t>
+            </a:r>
+            <a:r>
+              <a:rPr lang="ko-KR" altLang="en-US" dirty="0">
+                <a:latin typeface="서울남산체 B" panose="02020503020101020101" pitchFamily="18" charset="-127"/>
+                <a:ea typeface="서울남산체 B" panose="02020503020101020101" pitchFamily="18" charset="-127"/>
+              </a:rPr>
+              <a:t>강서구</a:t>
+            </a:r>
+            <a:endParaRPr lang="en-US" altLang="ko-KR" dirty="0">
+              <a:latin typeface="서울남산체 B" panose="02020503020101020101" pitchFamily="18" charset="-127"/>
+              <a:ea typeface="서울남산체 B" panose="02020503020101020101" pitchFamily="18" charset="-127"/>
+            </a:endParaRPr>
           </a:p>
         </p:txBody>
       </p:sp>
